--- a/Docs/EESaga.pptx
+++ b/Docs/EESaga.pptx
@@ -5,34 +5,30 @@
     <p:sldMasterId id="2147483648" r:id="rId1"/>
   </p:sldMasterIdLst>
   <p:notesMasterIdLst>
-    <p:notesMasterId r:id="rId9"/>
+    <p:notesMasterId r:id="rId10"/>
   </p:notesMasterIdLst>
   <p:handoutMasterIdLst>
-    <p:handoutMasterId r:id="rId10"/>
+    <p:handoutMasterId r:id="rId11"/>
   </p:handoutMasterIdLst>
   <p:sldIdLst>
-    <p:sldId id="270" r:id="rId2"/>
-    <p:sldId id="258" r:id="rId3"/>
-    <p:sldId id="268" r:id="rId4"/>
-    <p:sldId id="281" r:id="rId5"/>
-    <p:sldId id="283" r:id="rId6"/>
-    <p:sldId id="282" r:id="rId7"/>
-    <p:sldId id="264" r:id="rId8"/>
+    <p:sldId id="270" r:id="rId3"/>
+    <p:sldId id="258" r:id="rId4"/>
+    <p:sldId id="268" r:id="rId5"/>
+    <p:sldId id="281" r:id="rId6"/>
+    <p:sldId id="283" r:id="rId7"/>
+    <p:sldId id="282" r:id="rId8"/>
+    <p:sldId id="264" r:id="rId9"/>
   </p:sldIdLst>
   <p:sldSz cx="12192000" cy="6858000"/>
   <p:notesSz cx="6858000" cy="9144000"/>
   <p:embeddedFontLst>
     <p:embeddedFont>
-      <p:font typeface="Unifont" panose="020B0406020202080204" pitchFamily="34" charset="-122"/>
-      <p:regular r:id="rId11"/>
-    </p:embeddedFont>
-    <p:embeddedFont>
       <p:font typeface="Wingdings 2" panose="05020102010507070707" pitchFamily="18" charset="2"/>
-      <p:regular r:id="rId12"/>
+      <p:regular r:id="rId15"/>
     </p:embeddedFont>
   </p:embeddedFontLst>
   <p:custDataLst>
-    <p:tags r:id="rId13"/>
+    <p:tags r:id="rId16"/>
   </p:custDataLst>
   <p:defaultTextStyle>
     <a:defPPr>
@@ -129,11 +125,6 @@
       </a:defRPr>
     </a:lvl9pPr>
   </p:defaultTextStyle>
-  <p:extLst>
-    <p:ext uri="{EFAFB233-063F-42B5-8137-9DF3F51BA10A}">
-      <p15:sldGuideLst xmlns:p15="http://schemas.microsoft.com/office/powerpoint/2012/main"/>
-    </p:ext>
-  </p:extLst>
 </p:presentation>
 </file>
 
@@ -923,7 +914,7 @@
         </a:p>
       </dgm:t>
     </dgm:pt>
-    <dgm:pt modelId="{A2D4F7F4-4D7B-4483-B239-95405595478C}" type="parTrans" cxnId="{6B4E3E27-C9B5-437E-BFB4-ABA53779C27D}">
+    <dgm:pt modelId="{A2D4F7F4-4D7B-4483-B239-95405595478C}" cxnId="{6B4E3E27-C9B5-437E-BFB4-ABA53779C27D}" type="parTrans">
       <dgm:prSet/>
       <dgm:spPr/>
       <dgm:t>
@@ -934,7 +925,7 @@
         </a:p>
       </dgm:t>
     </dgm:pt>
-    <dgm:pt modelId="{2B544C9C-8E05-42F5-9212-6599E4B2ECE4}" type="sibTrans" cxnId="{6B4E3E27-C9B5-437E-BFB4-ABA53779C27D}">
+    <dgm:pt modelId="{2B544C9C-8E05-42F5-9212-6599E4B2ECE4}" cxnId="{6B4E3E27-C9B5-437E-BFB4-ABA53779C27D}" type="sibTrans">
       <dgm:prSet/>
       <dgm:spPr/>
       <dgm:t>
@@ -978,7 +969,7 @@
         </a:p>
       </dgm:t>
     </dgm:pt>
-    <dgm:pt modelId="{01D15587-7CA2-411A-BE30-B5D76E9735EB}" type="parTrans" cxnId="{4ACF53A5-46EC-43A4-A591-292F4B1C9682}">
+    <dgm:pt modelId="{01D15587-7CA2-411A-BE30-B5D76E9735EB}" cxnId="{4ACF53A5-46EC-43A4-A591-292F4B1C9682}" type="parTrans">
       <dgm:prSet/>
       <dgm:spPr/>
       <dgm:t>
@@ -989,7 +980,7 @@
         </a:p>
       </dgm:t>
     </dgm:pt>
-    <dgm:pt modelId="{D9EBDF9D-6177-42D1-A920-D45BC9B43FC5}" type="sibTrans" cxnId="{4ACF53A5-46EC-43A4-A591-292F4B1C9682}">
+    <dgm:pt modelId="{D9EBDF9D-6177-42D1-A920-D45BC9B43FC5}" cxnId="{4ACF53A5-46EC-43A4-A591-292F4B1C9682}" type="sibTrans">
       <dgm:prSet/>
       <dgm:spPr/>
       <dgm:t>
@@ -1029,7 +1020,7 @@
         </a:p>
       </dgm:t>
     </dgm:pt>
-    <dgm:pt modelId="{5ACCD062-C17B-4D2C-9F7A-EC5D23634D94}" type="parTrans" cxnId="{0177EF24-67F7-4385-BA40-F9154484EB5F}">
+    <dgm:pt modelId="{5ACCD062-C17B-4D2C-9F7A-EC5D23634D94}" cxnId="{0177EF24-67F7-4385-BA40-F9154484EB5F}" type="parTrans">
       <dgm:prSet/>
       <dgm:spPr/>
       <dgm:t>
@@ -1040,7 +1031,7 @@
         </a:p>
       </dgm:t>
     </dgm:pt>
-    <dgm:pt modelId="{99EF23E2-3AF0-45B3-A605-A4AC895109B1}" type="sibTrans" cxnId="{0177EF24-67F7-4385-BA40-F9154484EB5F}">
+    <dgm:pt modelId="{99EF23E2-3AF0-45B3-A605-A4AC895109B1}" cxnId="{0177EF24-67F7-4385-BA40-F9154484EB5F}" type="sibTrans">
       <dgm:prSet/>
       <dgm:spPr/>
       <dgm:t>
@@ -1080,7 +1071,7 @@
         </a:p>
       </dgm:t>
     </dgm:pt>
-    <dgm:pt modelId="{744BE3E2-E194-42E7-941A-C0F41144EE1E}" type="parTrans" cxnId="{38A9EDFE-A8CE-489B-9DCF-5677C80D8FE7}">
+    <dgm:pt modelId="{744BE3E2-E194-42E7-941A-C0F41144EE1E}" cxnId="{38A9EDFE-A8CE-489B-9DCF-5677C80D8FE7}" type="parTrans">
       <dgm:prSet/>
       <dgm:spPr/>
       <dgm:t>
@@ -1091,7 +1082,7 @@
         </a:p>
       </dgm:t>
     </dgm:pt>
-    <dgm:pt modelId="{34CF2285-61E3-46B7-8454-DD4724942BE4}" type="sibTrans" cxnId="{38A9EDFE-A8CE-489B-9DCF-5677C80D8FE7}">
+    <dgm:pt modelId="{34CF2285-61E3-46B7-8454-DD4724942BE4}" cxnId="{38A9EDFE-A8CE-489B-9DCF-5677C80D8FE7}" type="sibTrans">
       <dgm:prSet/>
       <dgm:spPr/>
       <dgm:t>
@@ -1135,7 +1126,7 @@
         </a:p>
       </dgm:t>
     </dgm:pt>
-    <dgm:pt modelId="{765A7463-79A9-413A-8CAF-6C8736DF737E}" type="parTrans" cxnId="{6CFCFDCC-F802-44F4-B203-560FC90890F3}">
+    <dgm:pt modelId="{765A7463-79A9-413A-8CAF-6C8736DF737E}" cxnId="{6CFCFDCC-F802-44F4-B203-560FC90890F3}" type="parTrans">
       <dgm:prSet/>
       <dgm:spPr/>
       <dgm:t>
@@ -1146,7 +1137,7 @@
         </a:p>
       </dgm:t>
     </dgm:pt>
-    <dgm:pt modelId="{80820266-7227-487E-A6BE-5F11438118AA}" type="sibTrans" cxnId="{6CFCFDCC-F802-44F4-B203-560FC90890F3}">
+    <dgm:pt modelId="{80820266-7227-487E-A6BE-5F11438118AA}" cxnId="{6CFCFDCC-F802-44F4-B203-560FC90890F3}" type="sibTrans">
       <dgm:prSet/>
       <dgm:spPr/>
       <dgm:t>
@@ -1187,7 +1178,7 @@
         </a:p>
       </dgm:t>
     </dgm:pt>
-    <dgm:pt modelId="{6603C22B-45C2-4623-9161-59C92CDB3E31}" type="parTrans" cxnId="{0508722A-FE7D-4598-9FB2-2DD2852DB349}">
+    <dgm:pt modelId="{6603C22B-45C2-4623-9161-59C92CDB3E31}" cxnId="{0508722A-FE7D-4598-9FB2-2DD2852DB349}" type="parTrans">
       <dgm:prSet/>
       <dgm:spPr/>
       <dgm:t>
@@ -1198,7 +1189,7 @@
         </a:p>
       </dgm:t>
     </dgm:pt>
-    <dgm:pt modelId="{591E1687-A7BA-4347-8502-2748FFDBEF96}" type="sibTrans" cxnId="{0508722A-FE7D-4598-9FB2-2DD2852DB349}">
+    <dgm:pt modelId="{591E1687-A7BA-4347-8502-2748FFDBEF96}" cxnId="{0508722A-FE7D-4598-9FB2-2DD2852DB349}" type="sibTrans">
       <dgm:prSet/>
       <dgm:spPr/>
       <dgm:t>
@@ -1234,7 +1225,7 @@
         </a:p>
       </dgm:t>
     </dgm:pt>
-    <dgm:pt modelId="{A8B9A657-6E7B-4ED3-AB00-98E9F913A785}" type="parTrans" cxnId="{BC433F3A-0F03-4D4A-8558-F08FD22B3F32}">
+    <dgm:pt modelId="{A8B9A657-6E7B-4ED3-AB00-98E9F913A785}" cxnId="{BC433F3A-0F03-4D4A-8558-F08FD22B3F32}" type="parTrans">
       <dgm:prSet/>
       <dgm:spPr/>
       <dgm:t>
@@ -1245,7 +1236,7 @@
         </a:p>
       </dgm:t>
     </dgm:pt>
-    <dgm:pt modelId="{18A58144-A08A-4AA2-87B4-A1B3BEF9B79D}" type="sibTrans" cxnId="{BC433F3A-0F03-4D4A-8558-F08FD22B3F32}">
+    <dgm:pt modelId="{18A58144-A08A-4AA2-87B4-A1B3BEF9B79D}" cxnId="{BC433F3A-0F03-4D4A-8558-F08FD22B3F32}" type="sibTrans">
       <dgm:prSet/>
       <dgm:spPr/>
       <dgm:t>
@@ -1281,7 +1272,7 @@
         </a:p>
       </dgm:t>
     </dgm:pt>
-    <dgm:pt modelId="{207C86C1-8D3B-40C5-9EDC-2EE4D5F386D1}" type="parTrans" cxnId="{20C803C0-F356-4E32-9078-EF0017CC7385}">
+    <dgm:pt modelId="{207C86C1-8D3B-40C5-9EDC-2EE4D5F386D1}" cxnId="{20C803C0-F356-4E32-9078-EF0017CC7385}" type="parTrans">
       <dgm:prSet/>
       <dgm:spPr/>
       <dgm:t>
@@ -1292,7 +1283,7 @@
         </a:p>
       </dgm:t>
     </dgm:pt>
-    <dgm:pt modelId="{E71CB000-DA61-41E3-8489-034910B917C4}" type="sibTrans" cxnId="{20C803C0-F356-4E32-9078-EF0017CC7385}">
+    <dgm:pt modelId="{E71CB000-DA61-41E3-8489-034910B917C4}" cxnId="{20C803C0-F356-4E32-9078-EF0017CC7385}" type="sibTrans">
       <dgm:prSet/>
       <dgm:spPr/>
       <dgm:t>
@@ -1328,7 +1319,7 @@
         </a:p>
       </dgm:t>
     </dgm:pt>
-    <dgm:pt modelId="{F3DBED0D-826E-4346-896C-667850355ABB}" type="parTrans" cxnId="{56D9F278-26DD-4620-8A5C-09318B3B994E}">
+    <dgm:pt modelId="{F3DBED0D-826E-4346-896C-667850355ABB}" cxnId="{56D9F278-26DD-4620-8A5C-09318B3B994E}" type="parTrans">
       <dgm:prSet/>
       <dgm:spPr/>
       <dgm:t>
@@ -1339,7 +1330,7 @@
         </a:p>
       </dgm:t>
     </dgm:pt>
-    <dgm:pt modelId="{7B41C154-5FC7-46C1-95A0-04B7CE094CD7}" type="sibTrans" cxnId="{56D9F278-26DD-4620-8A5C-09318B3B994E}">
+    <dgm:pt modelId="{7B41C154-5FC7-46C1-95A0-04B7CE094CD7}" cxnId="{56D9F278-26DD-4620-8A5C-09318B3B994E}" type="sibTrans">
       <dgm:prSet/>
       <dgm:spPr/>
       <dgm:t>
@@ -1375,7 +1366,7 @@
         </a:p>
       </dgm:t>
     </dgm:pt>
-    <dgm:pt modelId="{99F9EF2A-B65E-485A-8D10-2EF0EDBFF030}" type="parTrans" cxnId="{5EB4143B-C3CF-4371-8E8D-FD013E5692A1}">
+    <dgm:pt modelId="{99F9EF2A-B65E-485A-8D10-2EF0EDBFF030}" cxnId="{5EB4143B-C3CF-4371-8E8D-FD013E5692A1}" type="parTrans">
       <dgm:prSet/>
       <dgm:spPr/>
       <dgm:t>
@@ -1386,7 +1377,7 @@
         </a:p>
       </dgm:t>
     </dgm:pt>
-    <dgm:pt modelId="{C9217758-FB3E-4CD1-B652-F18B3A6060C3}" type="sibTrans" cxnId="{5EB4143B-C3CF-4371-8E8D-FD013E5692A1}">
+    <dgm:pt modelId="{C9217758-FB3E-4CD1-B652-F18B3A6060C3}" cxnId="{5EB4143B-C3CF-4371-8E8D-FD013E5692A1}" type="sibTrans">
       <dgm:prSet/>
       <dgm:spPr/>
       <dgm:t>
@@ -1412,7 +1403,7 @@
         </a:p>
       </dgm:t>
     </dgm:pt>
-    <dgm:pt modelId="{F8286566-4565-441C-BD05-92976F89E79F}" type="parTrans" cxnId="{905187C4-993C-48FB-9340-3CBEA248BB36}">
+    <dgm:pt modelId="{F8286566-4565-441C-BD05-92976F89E79F}" cxnId="{905187C4-993C-48FB-9340-3CBEA248BB36}" type="parTrans">
       <dgm:prSet/>
       <dgm:spPr/>
       <dgm:t>
@@ -1423,7 +1414,7 @@
         </a:p>
       </dgm:t>
     </dgm:pt>
-    <dgm:pt modelId="{AC449A73-F8E2-41EB-8E57-00EDF91C7EF8}" type="sibTrans" cxnId="{905187C4-993C-48FB-9340-3CBEA248BB36}">
+    <dgm:pt modelId="{AC449A73-F8E2-41EB-8E57-00EDF91C7EF8}" cxnId="{905187C4-993C-48FB-9340-3CBEA248BB36}" type="sibTrans">
       <dgm:prSet/>
       <dgm:spPr/>
       <dgm:t>
@@ -1449,7 +1440,7 @@
         </a:p>
       </dgm:t>
     </dgm:pt>
-    <dgm:pt modelId="{7D257974-B8BE-4284-9F32-3EB3F756939D}" type="parTrans" cxnId="{77EC8317-20AD-4598-9993-C22B4A705134}">
+    <dgm:pt modelId="{7D257974-B8BE-4284-9F32-3EB3F756939D}" cxnId="{77EC8317-20AD-4598-9993-C22B4A705134}" type="parTrans">
       <dgm:prSet/>
       <dgm:spPr/>
       <dgm:t>
@@ -1460,7 +1451,7 @@
         </a:p>
       </dgm:t>
     </dgm:pt>
-    <dgm:pt modelId="{3B417B51-76BE-490D-A4ED-078CB10ECD4D}" type="sibTrans" cxnId="{77EC8317-20AD-4598-9993-C22B4A705134}">
+    <dgm:pt modelId="{3B417B51-76BE-490D-A4ED-078CB10ECD4D}" cxnId="{77EC8317-20AD-4598-9993-C22B4A705134}" type="sibTrans">
       <dgm:prSet/>
       <dgm:spPr/>
       <dgm:t>
@@ -1661,278 +1652,237 @@
   <dgm:whole/>
   <dgm:extLst>
     <a:ext uri="http://schemas.microsoft.com/office/drawing/2008/diagram">
-      <dsp:dataModelExt xmlns:dsp="http://schemas.microsoft.com/office/drawing/2008/diagram" relId="rId6" minVer="http://schemas.openxmlformats.org/drawingml/2006/diagram"/>
+      <dsp:dataModelExt xmlns:dsp="http://schemas.microsoft.com/office/drawing/2008/diagram" relId="rId5" minVer="http://schemas.openxmlformats.org/drawingml/2006/diagram"/>
     </a:ext>
   </dgm:extLst>
 </dgm:dataModel>
 </file>
 
 <file path=ppt/diagrams/drawing1.xml><?xml version="1.0" encoding="utf-8"?>
-<dsp:drawing xmlns:dgm="http://schemas.openxmlformats.org/drawingml/2006/diagram" xmlns:dsp="http://schemas.microsoft.com/office/drawing/2008/diagram" xmlns:a="http://schemas.openxmlformats.org/drawingml/2006/main">
+<dsp:drawing xmlns:dgm="http://schemas.openxmlformats.org/drawingml/2006/diagram" xmlns:dsp="http://schemas.microsoft.com/office/drawing/2008/diagram" xmlns:a="http://schemas.openxmlformats.org/drawingml/2006/main" xmlns:r="http://schemas.openxmlformats.org/officeDocument/2006/relationships">
   <dsp:spTree>
     <dsp:nvGrpSpPr>
-      <dsp:cNvPr id="0" name=""/>
+      <dsp:cNvPr id="2" name="组合 1"/>
       <dsp:cNvGrpSpPr/>
     </dsp:nvGrpSpPr>
-    <dsp:grpSpPr/>
-    <dsp:sp modelId="{968F913D-56B7-4616-9049-33CEBC55C865}">
+    <dsp:grpSpPr>
+      <a:xfrm>
+        <a:off x="0" y="0"/>
+        <a:ext cx="10521387" cy="4798192"/>
+        <a:chOff x="0" y="0"/>
+        <a:chExt cx="10521387" cy="4798192"/>
+      </a:xfrm>
+    </dsp:grpSpPr>
+    <dsp:sp modelId="{CFE719B1-FDDF-4968-9D26-52CE098EA344}">
       <dsp:nvSpPr>
-        <dsp:cNvPr id="0" name=""/>
+        <dsp:cNvPr id="5" name="任意多边形 4"/>
         <dsp:cNvSpPr/>
       </dsp:nvSpPr>
-      <dsp:spPr>
-        <a:xfrm rot="3682044">
-          <a:off x="3842183" y="3394724"/>
-          <a:ext cx="893696" cy="30234"/>
+      <dsp:spPr bwMode="white">
+        <a:xfrm>
+          <a:off x="3805220" y="1411016"/>
+          <a:ext cx="977657" cy="30275"/>
         </a:xfrm>
         <a:custGeom>
           <a:avLst/>
           <a:gdLst/>
           <a:ahLst/>
           <a:cxnLst/>
-          <a:rect l="0" t="0" r="0" b="0"/>
           <a:pathLst>
-            <a:path>
+            <a:path w="1540" h="48">
               <a:moveTo>
-                <a:pt x="0" y="15117"/>
+                <a:pt x="401" y="700"/>
               </a:moveTo>
               <a:lnTo>
-                <a:pt x="893696" y="15117"/>
+                <a:pt x="1138" y="-652"/>
               </a:lnTo>
             </a:path>
           </a:pathLst>
         </a:custGeom>
-        <a:noFill/>
-        <a:ln w="22225" cap="rnd" cmpd="sng" algn="ctr">
-          <a:solidFill>
-            <a:schemeClr val="accent1">
-              <a:shade val="60000"/>
-              <a:hueOff val="0"/>
-              <a:satOff val="0"/>
-              <a:lumOff val="0"/>
-              <a:alphaOff val="0"/>
-            </a:schemeClr>
-          </a:solidFill>
-          <a:prstDash val="solid"/>
-        </a:ln>
-        <a:effectLst/>
       </dsp:spPr>
       <dsp:style>
         <a:lnRef idx="2">
-          <a:scrgbClr r="0" g="0" b="0"/>
+          <a:schemeClr val="accent1">
+            <a:shade val="60000"/>
+          </a:schemeClr>
         </a:lnRef>
         <a:fillRef idx="0">
-          <a:scrgbClr r="0" g="0" b="0"/>
+          <a:schemeClr val="accent1"/>
         </a:fillRef>
         <a:effectRef idx="0">
           <a:scrgbClr r="0" g="0" b="0"/>
         </a:effectRef>
         <a:fontRef idx="minor"/>
       </dsp:style>
+      <dsp:txXfrm>
+        <a:off x="3805220" y="1411016"/>
+        <a:ext cx="977657" cy="30275"/>
+      </dsp:txXfrm>
     </dsp:sp>
-    <dsp:sp modelId="{863C0671-E2AB-40BD-AF6E-9FA09F369FF0}">
+    <dsp:sp modelId="{DB5F8B40-7FFB-4BF2-AB97-4DD23BBB3CB3}">
       <dsp:nvSpPr>
-        <dsp:cNvPr id="0" name=""/>
+        <dsp:cNvPr id="8" name="任意多边形 7"/>
         <dsp:cNvSpPr/>
       </dsp:nvSpPr>
-      <dsp:spPr>
-        <a:xfrm rot="1312089">
-          <a:off x="4332751" y="2751288"/>
-          <a:ext cx="639277" cy="30234"/>
+      <dsp:spPr bwMode="white">
+        <a:xfrm>
+          <a:off x="4313577" y="2025565"/>
+          <a:ext cx="684499" cy="30275"/>
         </a:xfrm>
         <a:custGeom>
           <a:avLst/>
           <a:gdLst/>
           <a:ahLst/>
           <a:cxnLst/>
-          <a:rect l="0" t="0" r="0" b="0"/>
           <a:pathLst>
-            <a:path>
+            <a:path w="1078" h="48">
               <a:moveTo>
-                <a:pt x="0" y="15117"/>
+                <a:pt x="39" y="225"/>
               </a:moveTo>
               <a:lnTo>
-                <a:pt x="639277" y="15117"/>
+                <a:pt x="1039" y="-177"/>
               </a:lnTo>
             </a:path>
           </a:pathLst>
         </a:custGeom>
-        <a:noFill/>
-        <a:ln w="22225" cap="rnd" cmpd="sng" algn="ctr">
-          <a:solidFill>
-            <a:schemeClr val="accent1">
-              <a:shade val="60000"/>
-              <a:hueOff val="0"/>
-              <a:satOff val="0"/>
-              <a:lumOff val="0"/>
-              <a:alphaOff val="0"/>
-            </a:schemeClr>
-          </a:solidFill>
-          <a:prstDash val="solid"/>
-        </a:ln>
-        <a:effectLst/>
       </dsp:spPr>
       <dsp:style>
         <a:lnRef idx="2">
-          <a:scrgbClr r="0" g="0" b="0"/>
+          <a:schemeClr val="accent1">
+            <a:shade val="60000"/>
+          </a:schemeClr>
         </a:lnRef>
         <a:fillRef idx="0">
-          <a:scrgbClr r="0" g="0" b="0"/>
+          <a:schemeClr val="accent1"/>
         </a:fillRef>
         <a:effectRef idx="0">
           <a:scrgbClr r="0" g="0" b="0"/>
         </a:effectRef>
         <a:fontRef idx="minor"/>
       </dsp:style>
+      <dsp:txXfrm>
+        <a:off x="4313577" y="2025565"/>
+        <a:ext cx="684499" cy="30275"/>
+      </dsp:txXfrm>
     </dsp:sp>
-    <dsp:sp modelId="{DB5F8B40-7FFB-4BF2-AB97-4DD23BBB3CB3}">
+    <dsp:sp modelId="{863C0671-E2AB-40BD-AF6E-9FA09F369FF0}">
       <dsp:nvSpPr>
-        <dsp:cNvPr id="0" name=""/>
+        <dsp:cNvPr id="11" name="任意多边形 10"/>
         <dsp:cNvSpPr/>
       </dsp:nvSpPr>
-      <dsp:spPr>
-        <a:xfrm rot="20287911">
-          <a:off x="4332751" y="2016669"/>
-          <a:ext cx="639277" cy="30234"/>
+      <dsp:spPr bwMode="white">
+        <a:xfrm>
+          <a:off x="4313577" y="2742352"/>
+          <a:ext cx="684499" cy="30275"/>
         </a:xfrm>
         <a:custGeom>
           <a:avLst/>
           <a:gdLst/>
           <a:ahLst/>
           <a:cxnLst/>
-          <a:rect l="0" t="0" r="0" b="0"/>
           <a:pathLst>
-            <a:path>
+            <a:path w="1078" h="48">
               <a:moveTo>
-                <a:pt x="0" y="15117"/>
+                <a:pt x="39" y="-177"/>
               </a:moveTo>
               <a:lnTo>
-                <a:pt x="639277" y="15117"/>
+                <a:pt x="1039" y="225"/>
               </a:lnTo>
             </a:path>
           </a:pathLst>
         </a:custGeom>
-        <a:noFill/>
-        <a:ln w="22225" cap="rnd" cmpd="sng" algn="ctr">
-          <a:solidFill>
-            <a:schemeClr val="accent1">
-              <a:shade val="60000"/>
-              <a:hueOff val="0"/>
-              <a:satOff val="0"/>
-              <a:lumOff val="0"/>
-              <a:alphaOff val="0"/>
-            </a:schemeClr>
-          </a:solidFill>
-          <a:prstDash val="solid"/>
-        </a:ln>
-        <a:effectLst/>
       </dsp:spPr>
       <dsp:style>
         <a:lnRef idx="2">
-          <a:scrgbClr r="0" g="0" b="0"/>
+          <a:schemeClr val="accent1">
+            <a:shade val="60000"/>
+          </a:schemeClr>
         </a:lnRef>
         <a:fillRef idx="0">
-          <a:scrgbClr r="0" g="0" b="0"/>
+          <a:schemeClr val="accent1"/>
         </a:fillRef>
         <a:effectRef idx="0">
           <a:scrgbClr r="0" g="0" b="0"/>
         </a:effectRef>
         <a:fontRef idx="minor"/>
       </dsp:style>
+      <dsp:txXfrm>
+        <a:off x="4313577" y="2742352"/>
+        <a:ext cx="684499" cy="30275"/>
+      </dsp:txXfrm>
     </dsp:sp>
-    <dsp:sp modelId="{CFE719B1-FDDF-4968-9D26-52CE098EA344}">
+    <dsp:sp modelId="{968F913D-56B7-4616-9049-33CEBC55C865}">
       <dsp:nvSpPr>
-        <dsp:cNvPr id="0" name=""/>
+        <dsp:cNvPr id="14" name="任意多边形 13"/>
         <dsp:cNvSpPr/>
       </dsp:nvSpPr>
-      <dsp:spPr>
-        <a:xfrm rot="17917956">
-          <a:off x="3842183" y="1373233"/>
-          <a:ext cx="893696" cy="30234"/>
+      <dsp:spPr bwMode="white">
+        <a:xfrm>
+          <a:off x="3805220" y="3356901"/>
+          <a:ext cx="977657" cy="30275"/>
         </a:xfrm>
         <a:custGeom>
           <a:avLst/>
           <a:gdLst/>
           <a:ahLst/>
           <a:cxnLst/>
-          <a:rect l="0" t="0" r="0" b="0"/>
           <a:pathLst>
-            <a:path>
+            <a:path w="1540" h="48">
               <a:moveTo>
-                <a:pt x="0" y="15117"/>
+                <a:pt x="401" y="-652"/>
               </a:moveTo>
               <a:lnTo>
-                <a:pt x="893696" y="15117"/>
+                <a:pt x="1138" y="700"/>
               </a:lnTo>
             </a:path>
           </a:pathLst>
         </a:custGeom>
-        <a:noFill/>
-        <a:ln w="22225" cap="rnd" cmpd="sng" algn="ctr">
-          <a:solidFill>
-            <a:schemeClr val="accent1">
-              <a:shade val="60000"/>
-              <a:hueOff val="0"/>
-              <a:satOff val="0"/>
-              <a:lumOff val="0"/>
-              <a:alphaOff val="0"/>
-            </a:schemeClr>
-          </a:solidFill>
-          <a:prstDash val="solid"/>
-        </a:ln>
-        <a:effectLst/>
       </dsp:spPr>
       <dsp:style>
         <a:lnRef idx="2">
-          <a:scrgbClr r="0" g="0" b="0"/>
+          <a:schemeClr val="accent1">
+            <a:shade val="60000"/>
+          </a:schemeClr>
         </a:lnRef>
         <a:fillRef idx="0">
-          <a:scrgbClr r="0" g="0" b="0"/>
+          <a:schemeClr val="accent1"/>
         </a:fillRef>
         <a:effectRef idx="0">
           <a:scrgbClr r="0" g="0" b="0"/>
         </a:effectRef>
         <a:fontRef idx="minor"/>
       </dsp:style>
+      <dsp:txXfrm>
+        <a:off x="3805220" y="3356901"/>
+        <a:ext cx="977657" cy="30275"/>
+      </dsp:txXfrm>
     </dsp:sp>
     <dsp:sp modelId="{CE974068-7363-48BA-8A56-58FC71B522DC}">
       <dsp:nvSpPr>
-        <dsp:cNvPr id="0" name=""/>
+        <dsp:cNvPr id="4" name="椭圆 3"/>
         <dsp:cNvSpPr/>
       </dsp:nvSpPr>
-      <dsp:spPr>
+      <dsp:spPr bwMode="white">
         <a:xfrm>
-          <a:off x="2853576" y="1515463"/>
-          <a:ext cx="1767264" cy="1767264"/>
+          <a:off x="2878659" y="1514273"/>
+          <a:ext cx="1769647" cy="1769647"/>
         </a:xfrm>
         <a:prstGeom prst="ellipse">
           <a:avLst/>
         </a:prstGeom>
         <a:blipFill>
-          <a:blip xmlns:r="http://schemas.openxmlformats.org/officeDocument/2006/relationships" r:embed="rId1"/>
+          <a:blip r:embed="rId1"/>
           <a:stretch>
             <a:fillRect/>
           </a:stretch>
         </a:blipFill>
-        <a:ln w="22225" cap="rnd" cmpd="sng" algn="ctr">
-          <a:solidFill>
-            <a:schemeClr val="lt1">
-              <a:hueOff val="0"/>
-              <a:satOff val="0"/>
-              <a:lumOff val="0"/>
-              <a:alphaOff val="0"/>
-            </a:schemeClr>
-          </a:solidFill>
-          <a:prstDash val="solid"/>
-        </a:ln>
-        <a:effectLst/>
       </dsp:spPr>
       <dsp:style>
         <a:lnRef idx="2">
-          <a:scrgbClr r="0" g="0" b="0"/>
+          <a:schemeClr val="lt1"/>
         </a:lnRef>
         <a:fillRef idx="1">
-          <a:scrgbClr r="0" g="0" b="0"/>
+          <a:schemeClr val="accent1"/>
         </a:fillRef>
         <a:effectRef idx="0">
           <a:scrgbClr r="0" g="0" b="0"/>
@@ -1941,47 +1891,31 @@
           <a:schemeClr val="lt1"/>
         </a:fontRef>
       </dsp:style>
+      <dsp:txXfrm>
+        <a:off x="2878659" y="1514273"/>
+        <a:ext cx="1769647" cy="1769647"/>
+      </dsp:txXfrm>
     </dsp:sp>
     <dsp:sp modelId="{B9FD9A9B-F5B2-41C6-AA4C-23B98CB4FBF3}">
       <dsp:nvSpPr>
-        <dsp:cNvPr id="0" name=""/>
+        <dsp:cNvPr id="6" name="椭圆 5"/>
         <dsp:cNvSpPr/>
       </dsp:nvSpPr>
-      <dsp:spPr>
+      <dsp:spPr bwMode="white">
         <a:xfrm>
-          <a:off x="4227035" y="623"/>
-          <a:ext cx="1060358" cy="1060358"/>
+          <a:off x="4251360" y="0"/>
+          <a:ext cx="1061788" cy="1061788"/>
         </a:xfrm>
         <a:prstGeom prst="ellipse">
           <a:avLst/>
         </a:prstGeom>
-        <a:solidFill>
-          <a:schemeClr val="accent1">
-            <a:hueOff val="0"/>
-            <a:satOff val="0"/>
-            <a:lumOff val="0"/>
-            <a:alphaOff val="0"/>
-          </a:schemeClr>
-        </a:solidFill>
-        <a:ln w="22225" cap="rnd" cmpd="sng" algn="ctr">
-          <a:solidFill>
-            <a:schemeClr val="lt1">
-              <a:hueOff val="0"/>
-              <a:satOff val="0"/>
-              <a:lumOff val="0"/>
-              <a:alphaOff val="0"/>
-            </a:schemeClr>
-          </a:solidFill>
-          <a:prstDash val="solid"/>
-        </a:ln>
-        <a:effectLst/>
       </dsp:spPr>
       <dsp:style>
         <a:lnRef idx="2">
-          <a:scrgbClr r="0" g="0" b="0"/>
+          <a:schemeClr val="lt1"/>
         </a:lnRef>
         <a:fillRef idx="1">
-          <a:scrgbClr r="0" g="0" b="0"/>
+          <a:schemeClr val="accent1"/>
         </a:fillRef>
         <a:effectRef idx="0">
           <a:scrgbClr r="0" g="0" b="0"/>
@@ -1991,12 +1925,38 @@
         </a:fontRef>
       </dsp:style>
       <dsp:txBody>
-        <a:bodyPr spcFirstLastPara="0" vert="horz" wrap="square" lIns="13335" tIns="13335" rIns="13335" bIns="13335" numCol="1" spcCol="1270" anchor="ctr" anchorCtr="0">
-          <a:noAutofit/>
-        </a:bodyPr>
-        <a:lstStyle/>
+        <a:bodyPr vert="horz" wrap="square" lIns="14605" tIns="14605" rIns="14605" bIns="14605" anchor="ctr"/>
+        <a:lstStyle>
+          <a:lvl1pPr algn="ctr">
+            <a:defRPr sz="2300"/>
+          </a:lvl1pPr>
+          <a:lvl2pPr marL="171450" indent="-171450" algn="ctr">
+            <a:defRPr sz="1700"/>
+          </a:lvl2pPr>
+          <a:lvl3pPr marL="342900" indent="-171450" algn="ctr">
+            <a:defRPr sz="1700"/>
+          </a:lvl3pPr>
+          <a:lvl4pPr marL="514350" indent="-171450" algn="ctr">
+            <a:defRPr sz="1700"/>
+          </a:lvl4pPr>
+          <a:lvl5pPr marL="685800" indent="-171450" algn="ctr">
+            <a:defRPr sz="1700"/>
+          </a:lvl5pPr>
+          <a:lvl6pPr marL="857250" indent="-171450" algn="ctr">
+            <a:defRPr sz="1700"/>
+          </a:lvl6pPr>
+          <a:lvl7pPr marL="1028700" indent="-171450" algn="ctr">
+            <a:defRPr sz="1700"/>
+          </a:lvl7pPr>
+          <a:lvl8pPr marL="1200150" indent="-171450" algn="ctr">
+            <a:defRPr sz="1700"/>
+          </a:lvl8pPr>
+          <a:lvl9pPr marL="1371600" indent="-171450" algn="ctr">
+            <a:defRPr sz="1700"/>
+          </a:lvl9pPr>
+        </a:lstStyle>
         <a:p>
-          <a:pPr marL="0" lvl="0" indent="0" algn="ctr" defTabSz="933450">
+          <a:pPr lvl="0">
             <a:lnSpc>
               <a:spcPct val="100000"/>
             </a:lnSpc>
@@ -2006,44 +1966,42 @@
             <a:spcAft>
               <a:spcPct val="35000"/>
             </a:spcAft>
-            <a:buNone/>
           </a:pPr>
           <a:r>
-            <a:rPr lang="zh-CN" altLang="en-US" sz="2100" kern="1200"/>
+            <a:rPr lang="zh-CN" altLang="en-US"/>
             <a:t>战斗关卡</a:t>
           </a:r>
         </a:p>
       </dsp:txBody>
       <dsp:txXfrm>
-        <a:off x="4382321" y="155909"/>
-        <a:ext cx="749786" cy="749786"/>
+        <a:off x="4251360" y="0"/>
+        <a:ext cx="1061788" cy="1061788"/>
       </dsp:txXfrm>
     </dsp:sp>
     <dsp:sp modelId="{4B22126E-6F7A-4ADB-A489-ACBD46EA330A}">
       <dsp:nvSpPr>
-        <dsp:cNvPr id="0" name=""/>
+        <dsp:cNvPr id="7" name="矩形 6"/>
         <dsp:cNvSpPr/>
       </dsp:nvSpPr>
-      <dsp:spPr>
+      <dsp:spPr bwMode="white">
         <a:xfrm>
-          <a:off x="5393429" y="623"/>
-          <a:ext cx="1590537" cy="1060358"/>
+          <a:off x="5419326" y="0"/>
+          <a:ext cx="1592682" cy="1061788"/>
         </a:xfrm>
         <a:prstGeom prst="rect">
           <a:avLst/>
         </a:prstGeom>
-        <a:noFill/>
-        <a:ln>
-          <a:noFill/>
-        </a:ln>
-        <a:effectLst/>
       </dsp:spPr>
       <dsp:style>
         <a:lnRef idx="0">
-          <a:scrgbClr r="0" g="0" b="0"/>
+          <a:schemeClr val="dk1">
+            <a:alpha val="0"/>
+          </a:schemeClr>
         </a:lnRef>
         <a:fillRef idx="0">
-          <a:scrgbClr r="0" g="0" b="0"/>
+          <a:schemeClr val="lt1">
+            <a:alpha val="0"/>
+          </a:schemeClr>
         </a:fillRef>
         <a:effectRef idx="0">
           <a:scrgbClr r="0" g="0" b="0"/>
@@ -2051,12 +2009,38 @@
         <a:fontRef idx="minor"/>
       </dsp:style>
       <dsp:txBody>
-        <a:bodyPr spcFirstLastPara="0" vert="horz" wrap="square" lIns="0" tIns="0" rIns="0" bIns="0" numCol="1" spcCol="1270" anchor="ctr" anchorCtr="0">
-          <a:noAutofit/>
-        </a:bodyPr>
-        <a:lstStyle/>
+        <a:bodyPr vert="horz" wrap="square" lIns="0" tIns="0" rIns="0" bIns="0" anchor="ctr"/>
+        <a:lstStyle>
+          <a:lvl1pPr algn="l">
+            <a:defRPr sz="6500"/>
+          </a:lvl1pPr>
+          <a:lvl2pPr marL="171450" indent="-171450" algn="l">
+            <a:defRPr sz="1700"/>
+          </a:lvl2pPr>
+          <a:lvl3pPr marL="342900" indent="-171450" algn="l">
+            <a:defRPr sz="1700"/>
+          </a:lvl3pPr>
+          <a:lvl4pPr marL="514350" indent="-171450" algn="l">
+            <a:defRPr sz="1700"/>
+          </a:lvl4pPr>
+          <a:lvl5pPr marL="685800" indent="-171450" algn="l">
+            <a:defRPr sz="1700"/>
+          </a:lvl5pPr>
+          <a:lvl6pPr marL="857250" indent="-171450" algn="l">
+            <a:defRPr sz="1700"/>
+          </a:lvl6pPr>
+          <a:lvl7pPr marL="1028700" indent="-171450" algn="l">
+            <a:defRPr sz="1700"/>
+          </a:lvl7pPr>
+          <a:lvl8pPr marL="1200150" indent="-171450" algn="l">
+            <a:defRPr sz="1700"/>
+          </a:lvl8pPr>
+          <a:lvl9pPr marL="1371600" indent="-171450" algn="l">
+            <a:defRPr sz="1700"/>
+          </a:lvl9pPr>
+        </a:lstStyle>
         <a:p>
-          <a:pPr marL="171450" lvl="1" indent="-171450" algn="l" defTabSz="755650">
+          <a:pPr lvl="1">
             <a:lnSpc>
               <a:spcPct val="100000"/>
             </a:lnSpc>
@@ -2069,20 +2053,37 @@
             <a:buChar char="•"/>
           </a:pPr>
           <a:r>
-            <a:rPr lang="zh-CN" altLang="en-US" sz="1700" kern="1200" dirty="0"/>
+            <a:rPr lang="zh-CN" altLang="en-US" dirty="0">
+              <a:solidFill>
+                <a:schemeClr val="tx1"/>
+              </a:solidFill>
+            </a:rPr>
             <a:t>螺母楼前</a:t>
           </a:r>
           <a:r>
-            <a:rPr lang="en-US" altLang="zh-CN" sz="1700" kern="1200" dirty="0"/>
+            <a:rPr lang="en-US" altLang="zh-CN" dirty="0">
+              <a:solidFill>
+                <a:schemeClr val="tx1"/>
+              </a:solidFill>
+            </a:rPr>
             <a:t>100</a:t>
           </a:r>
           <a:r>
-            <a:rPr lang="zh-CN" altLang="en-US" sz="1700" kern="1200" dirty="0"/>
+            <a:rPr lang="zh-CN" altLang="en-US" dirty="0">
+              <a:solidFill>
+                <a:schemeClr val="tx1"/>
+              </a:solidFill>
+            </a:rPr>
             <a:t>层</a:t>
           </a:r>
+          <a:endParaRPr lang="zh-CN" altLang="en-US" dirty="0">
+            <a:solidFill>
+              <a:schemeClr val="tx1"/>
+            </a:solidFill>
+          </a:endParaRPr>
         </a:p>
         <a:p>
-          <a:pPr marL="171450" lvl="1" indent="-171450" algn="l" defTabSz="755650">
+          <a:pPr lvl="1">
             <a:lnSpc>
               <a:spcPct val="100000"/>
             </a:lnSpc>
@@ -2095,60 +2096,53 @@
             <a:buChar char="•"/>
           </a:pPr>
           <a:r>
-            <a:rPr lang="en-US" altLang="zh-CN" sz="1700" kern="1200" dirty="0"/>
+            <a:rPr lang="en-US" altLang="zh-CN" dirty="0">
+              <a:solidFill>
+                <a:schemeClr val="tx1"/>
+              </a:solidFill>
+            </a:rPr>
             <a:t>10</a:t>
           </a:r>
           <a:r>
-            <a:rPr lang="zh-CN" altLang="en-US" sz="1700" kern="1200" dirty="0"/>
+            <a:rPr lang="zh-CN" altLang="en-US" dirty="0">
+              <a:solidFill>
+                <a:schemeClr val="tx1"/>
+              </a:solidFill>
+            </a:rPr>
             <a:t>个不同的主题</a:t>
           </a:r>
+          <a:endParaRPr>
+            <a:solidFill>
+              <a:schemeClr val="tx1"/>
+            </a:solidFill>
+          </a:endParaRPr>
         </a:p>
       </dsp:txBody>
       <dsp:txXfrm>
-        <a:off x="5393429" y="623"/>
-        <a:ext cx="1590537" cy="1060358"/>
+        <a:off x="5419326" y="0"/>
+        <a:ext cx="1592682" cy="1061788"/>
       </dsp:txXfrm>
     </dsp:sp>
     <dsp:sp modelId="{8C52F264-3E24-4EC4-9000-82B4D521C9E0}">
       <dsp:nvSpPr>
-        <dsp:cNvPr id="0" name=""/>
+        <dsp:cNvPr id="9" name="椭圆 8"/>
         <dsp:cNvSpPr/>
       </dsp:nvSpPr>
-      <dsp:spPr>
+      <dsp:spPr bwMode="white">
         <a:xfrm>
-          <a:off x="4910878" y="1185074"/>
-          <a:ext cx="1060358" cy="1060358"/>
+          <a:off x="4935169" y="1184393"/>
+          <a:ext cx="1061788" cy="1061788"/>
         </a:xfrm>
         <a:prstGeom prst="ellipse">
           <a:avLst/>
         </a:prstGeom>
-        <a:solidFill>
-          <a:schemeClr val="accent1">
-            <a:hueOff val="0"/>
-            <a:satOff val="0"/>
-            <a:lumOff val="0"/>
-            <a:alphaOff val="0"/>
-          </a:schemeClr>
-        </a:solidFill>
-        <a:ln w="22225" cap="rnd" cmpd="sng" algn="ctr">
-          <a:solidFill>
-            <a:schemeClr val="lt1">
-              <a:hueOff val="0"/>
-              <a:satOff val="0"/>
-              <a:lumOff val="0"/>
-              <a:alphaOff val="0"/>
-            </a:schemeClr>
-          </a:solidFill>
-          <a:prstDash val="solid"/>
-        </a:ln>
-        <a:effectLst/>
       </dsp:spPr>
       <dsp:style>
         <a:lnRef idx="2">
-          <a:scrgbClr r="0" g="0" b="0"/>
+          <a:schemeClr val="lt1"/>
         </a:lnRef>
         <a:fillRef idx="1">
-          <a:scrgbClr r="0" g="0" b="0"/>
+          <a:schemeClr val="accent1"/>
         </a:fillRef>
         <a:effectRef idx="0">
           <a:scrgbClr r="0" g="0" b="0"/>
@@ -2158,12 +2152,38 @@
         </a:fontRef>
       </dsp:style>
       <dsp:txBody>
-        <a:bodyPr spcFirstLastPara="0" vert="horz" wrap="square" lIns="13335" tIns="13335" rIns="13335" bIns="13335" numCol="1" spcCol="1270" anchor="ctr" anchorCtr="0">
-          <a:noAutofit/>
-        </a:bodyPr>
-        <a:lstStyle/>
+        <a:bodyPr vert="horz" wrap="square" lIns="14605" tIns="14605" rIns="14605" bIns="14605" anchor="ctr"/>
+        <a:lstStyle>
+          <a:lvl1pPr algn="ctr">
+            <a:defRPr sz="2300"/>
+          </a:lvl1pPr>
+          <a:lvl2pPr marL="171450" indent="-171450" algn="ctr">
+            <a:defRPr sz="1700"/>
+          </a:lvl2pPr>
+          <a:lvl3pPr marL="342900" indent="-171450" algn="ctr">
+            <a:defRPr sz="1700"/>
+          </a:lvl3pPr>
+          <a:lvl4pPr marL="514350" indent="-171450" algn="ctr">
+            <a:defRPr sz="1700"/>
+          </a:lvl4pPr>
+          <a:lvl5pPr marL="685800" indent="-171450" algn="ctr">
+            <a:defRPr sz="1700"/>
+          </a:lvl5pPr>
+          <a:lvl6pPr marL="857250" indent="-171450" algn="ctr">
+            <a:defRPr sz="1700"/>
+          </a:lvl6pPr>
+          <a:lvl7pPr marL="1028700" indent="-171450" algn="ctr">
+            <a:defRPr sz="1700"/>
+          </a:lvl7pPr>
+          <a:lvl8pPr marL="1200150" indent="-171450" algn="ctr">
+            <a:defRPr sz="1700"/>
+          </a:lvl8pPr>
+          <a:lvl9pPr marL="1371600" indent="-171450" algn="ctr">
+            <a:defRPr sz="1700"/>
+          </a:lvl9pPr>
+        </a:lstStyle>
         <a:p>
-          <a:pPr marL="0" lvl="0" indent="0" algn="ctr" defTabSz="933450">
+          <a:pPr lvl="0">
             <a:lnSpc>
               <a:spcPct val="100000"/>
             </a:lnSpc>
@@ -2173,48 +2193,46 @@
             <a:spcAft>
               <a:spcPct val="35000"/>
             </a:spcAft>
-            <a:buNone/>
           </a:pPr>
           <a:r>
-            <a:rPr lang="en-US" altLang="zh-CN" sz="2100" kern="1200"/>
+            <a:rPr lang="en-US" altLang="zh-CN"/>
             <a:t>BOSS</a:t>
           </a:r>
           <a:r>
-            <a:rPr lang="zh-CN" altLang="en-US" sz="2100" kern="1200"/>
+            <a:rPr lang="zh-CN" altLang="en-US"/>
             <a:t>关卡</a:t>
           </a:r>
         </a:p>
       </dsp:txBody>
       <dsp:txXfrm>
-        <a:off x="5066164" y="1340360"/>
-        <a:ext cx="749786" cy="749786"/>
+        <a:off x="4935169" y="1184393"/>
+        <a:ext cx="1061788" cy="1061788"/>
       </dsp:txXfrm>
     </dsp:sp>
     <dsp:sp modelId="{22A9452E-DB9D-4347-9D41-D29067BCCCC1}">
       <dsp:nvSpPr>
-        <dsp:cNvPr id="0" name=""/>
+        <dsp:cNvPr id="10" name="矩形 9"/>
         <dsp:cNvSpPr/>
       </dsp:nvSpPr>
-      <dsp:spPr>
+      <dsp:spPr bwMode="white">
         <a:xfrm>
-          <a:off x="6077272" y="1185074"/>
-          <a:ext cx="1590537" cy="1060358"/>
+          <a:off x="6103136" y="1184393"/>
+          <a:ext cx="1592682" cy="1061788"/>
         </a:xfrm>
         <a:prstGeom prst="rect">
           <a:avLst/>
         </a:prstGeom>
-        <a:noFill/>
-        <a:ln>
-          <a:noFill/>
-        </a:ln>
-        <a:effectLst/>
       </dsp:spPr>
       <dsp:style>
         <a:lnRef idx="0">
-          <a:scrgbClr r="0" g="0" b="0"/>
+          <a:schemeClr val="dk1">
+            <a:alpha val="0"/>
+          </a:schemeClr>
         </a:lnRef>
         <a:fillRef idx="0">
-          <a:scrgbClr r="0" g="0" b="0"/>
+          <a:schemeClr val="lt1">
+            <a:alpha val="0"/>
+          </a:schemeClr>
         </a:fillRef>
         <a:effectRef idx="0">
           <a:scrgbClr r="0" g="0" b="0"/>
@@ -2222,12 +2240,38 @@
         <a:fontRef idx="minor"/>
       </dsp:style>
       <dsp:txBody>
-        <a:bodyPr spcFirstLastPara="0" vert="horz" wrap="square" lIns="0" tIns="0" rIns="0" bIns="0" numCol="1" spcCol="1270" anchor="ctr" anchorCtr="0">
-          <a:noAutofit/>
-        </a:bodyPr>
-        <a:lstStyle/>
+        <a:bodyPr vert="horz" wrap="square" lIns="0" tIns="0" rIns="0" bIns="0" anchor="ctr"/>
+        <a:lstStyle>
+          <a:lvl1pPr algn="l">
+            <a:defRPr sz="6500"/>
+          </a:lvl1pPr>
+          <a:lvl2pPr marL="171450" indent="-171450" algn="l">
+            <a:defRPr sz="1700"/>
+          </a:lvl2pPr>
+          <a:lvl3pPr marL="342900" indent="-171450" algn="l">
+            <a:defRPr sz="1700"/>
+          </a:lvl3pPr>
+          <a:lvl4pPr marL="514350" indent="-171450" algn="l">
+            <a:defRPr sz="1700"/>
+          </a:lvl4pPr>
+          <a:lvl5pPr marL="685800" indent="-171450" algn="l">
+            <a:defRPr sz="1700"/>
+          </a:lvl5pPr>
+          <a:lvl6pPr marL="857250" indent="-171450" algn="l">
+            <a:defRPr sz="1700"/>
+          </a:lvl6pPr>
+          <a:lvl7pPr marL="1028700" indent="-171450" algn="l">
+            <a:defRPr sz="1700"/>
+          </a:lvl7pPr>
+          <a:lvl8pPr marL="1200150" indent="-171450" algn="l">
+            <a:defRPr sz="1700"/>
+          </a:lvl8pPr>
+          <a:lvl9pPr marL="1371600" indent="-171450" algn="l">
+            <a:defRPr sz="1700"/>
+          </a:lvl9pPr>
+        </a:lstStyle>
         <a:p>
-          <a:pPr marL="171450" lvl="1" indent="-171450" algn="l" defTabSz="755650">
+          <a:pPr lvl="1">
             <a:lnSpc>
               <a:spcPct val="100000"/>
             </a:lnSpc>
@@ -2240,20 +2284,37 @@
             <a:buChar char="•"/>
           </a:pPr>
           <a:r>
-            <a:rPr lang="zh-CN" altLang="en-US" sz="1700" kern="1200"/>
+            <a:rPr lang="zh-CN" altLang="en-US">
+              <a:solidFill>
+                <a:schemeClr val="tx1"/>
+              </a:solidFill>
+            </a:rPr>
             <a:t>螺母楼第</a:t>
           </a:r>
           <a:r>
-            <a:rPr lang="en-US" altLang="zh-CN" sz="1700" kern="1200"/>
+            <a:rPr lang="en-US" altLang="zh-CN">
+              <a:solidFill>
+                <a:schemeClr val="tx1"/>
+              </a:solidFill>
+            </a:rPr>
             <a:t>101</a:t>
           </a:r>
           <a:r>
-            <a:rPr lang="zh-CN" altLang="en-US" sz="1700" kern="1200"/>
+            <a:rPr lang="zh-CN" altLang="en-US">
+              <a:solidFill>
+                <a:schemeClr val="tx1"/>
+              </a:solidFill>
+            </a:rPr>
             <a:t>层</a:t>
           </a:r>
+          <a:endParaRPr lang="zh-CN" altLang="en-US">
+            <a:solidFill>
+              <a:schemeClr val="tx1"/>
+            </a:solidFill>
+          </a:endParaRPr>
         </a:p>
         <a:p>
-          <a:pPr marL="171450" lvl="1" indent="-171450" algn="l" defTabSz="755650">
+          <a:pPr lvl="1">
             <a:lnSpc>
               <a:spcPct val="100000"/>
             </a:lnSpc>
@@ -2266,61 +2327,53 @@
             <a:buChar char="•"/>
           </a:pPr>
           <a:r>
-            <a:rPr lang="zh-CN" altLang="en-US" sz="1700" kern="1200"/>
+            <a:rPr lang="zh-CN" altLang="en-US">
+              <a:solidFill>
+                <a:schemeClr val="tx1"/>
+              </a:solidFill>
+            </a:rPr>
             <a:t>强大的</a:t>
           </a:r>
           <a:r>
-            <a:rPr lang="en-US" altLang="zh-CN" sz="1700" kern="1200"/>
+            <a:rPr lang="en-US" altLang="zh-CN">
+              <a:solidFill>
+                <a:schemeClr val="tx1"/>
+              </a:solidFill>
+            </a:rPr>
             <a:t>BOSS</a:t>
           </a:r>
-          <a:endParaRPr lang="zh-CN" altLang="en-US" sz="1700" kern="1200"/>
+          <a:endParaRPr lang="zh-CN" altLang="en-US">
+            <a:solidFill>
+              <a:schemeClr val="tx1"/>
+            </a:solidFill>
+          </a:endParaRPr>
         </a:p>
       </dsp:txBody>
       <dsp:txXfrm>
-        <a:off x="6077272" y="1185074"/>
-        <a:ext cx="1590537" cy="1060358"/>
+        <a:off x="6103136" y="1184393"/>
+        <a:ext cx="1592682" cy="1061788"/>
       </dsp:txXfrm>
     </dsp:sp>
     <dsp:sp modelId="{A4594B93-3116-410F-A9B6-83291B1F28AD}">
       <dsp:nvSpPr>
-        <dsp:cNvPr id="0" name=""/>
+        <dsp:cNvPr id="12" name="椭圆 11"/>
         <dsp:cNvSpPr/>
       </dsp:nvSpPr>
-      <dsp:spPr>
+      <dsp:spPr bwMode="white">
         <a:xfrm>
-          <a:off x="4910878" y="2552759"/>
-          <a:ext cx="1060358" cy="1060358"/>
+          <a:off x="4935169" y="2552011"/>
+          <a:ext cx="1061788" cy="1061788"/>
         </a:xfrm>
         <a:prstGeom prst="ellipse">
           <a:avLst/>
         </a:prstGeom>
-        <a:solidFill>
-          <a:schemeClr val="accent1">
-            <a:hueOff val="0"/>
-            <a:satOff val="0"/>
-            <a:lumOff val="0"/>
-            <a:alphaOff val="0"/>
-          </a:schemeClr>
-        </a:solidFill>
-        <a:ln w="22225" cap="rnd" cmpd="sng" algn="ctr">
-          <a:solidFill>
-            <a:schemeClr val="lt1">
-              <a:hueOff val="0"/>
-              <a:satOff val="0"/>
-              <a:lumOff val="0"/>
-              <a:alphaOff val="0"/>
-            </a:schemeClr>
-          </a:solidFill>
-          <a:prstDash val="solid"/>
-        </a:ln>
-        <a:effectLst/>
       </dsp:spPr>
       <dsp:style>
         <a:lnRef idx="2">
-          <a:scrgbClr r="0" g="0" b="0"/>
+          <a:schemeClr val="lt1"/>
         </a:lnRef>
         <a:fillRef idx="1">
-          <a:scrgbClr r="0" g="0" b="0"/>
+          <a:schemeClr val="accent1"/>
         </a:fillRef>
         <a:effectRef idx="0">
           <a:scrgbClr r="0" g="0" b="0"/>
@@ -2330,12 +2383,38 @@
         </a:fontRef>
       </dsp:style>
       <dsp:txBody>
-        <a:bodyPr spcFirstLastPara="0" vert="horz" wrap="square" lIns="13335" tIns="13335" rIns="13335" bIns="13335" numCol="1" spcCol="1270" anchor="ctr" anchorCtr="0">
-          <a:noAutofit/>
-        </a:bodyPr>
-        <a:lstStyle/>
+        <a:bodyPr vert="horz" wrap="square" lIns="14605" tIns="14605" rIns="14605" bIns="14605" anchor="ctr"/>
+        <a:lstStyle>
+          <a:lvl1pPr algn="ctr">
+            <a:defRPr sz="2300"/>
+          </a:lvl1pPr>
+          <a:lvl2pPr marL="171450" indent="-171450" algn="ctr">
+            <a:defRPr sz="1700"/>
+          </a:lvl2pPr>
+          <a:lvl3pPr marL="342900" indent="-171450" algn="ctr">
+            <a:defRPr sz="1700"/>
+          </a:lvl3pPr>
+          <a:lvl4pPr marL="514350" indent="-171450" algn="ctr">
+            <a:defRPr sz="1700"/>
+          </a:lvl4pPr>
+          <a:lvl5pPr marL="685800" indent="-171450" algn="ctr">
+            <a:defRPr sz="1700"/>
+          </a:lvl5pPr>
+          <a:lvl6pPr marL="857250" indent="-171450" algn="ctr">
+            <a:defRPr sz="1700"/>
+          </a:lvl6pPr>
+          <a:lvl7pPr marL="1028700" indent="-171450" algn="ctr">
+            <a:defRPr sz="1700"/>
+          </a:lvl7pPr>
+          <a:lvl8pPr marL="1200150" indent="-171450" algn="ctr">
+            <a:defRPr sz="1700"/>
+          </a:lvl8pPr>
+          <a:lvl9pPr marL="1371600" indent="-171450" algn="ctr">
+            <a:defRPr sz="1700"/>
+          </a:lvl9pPr>
+        </a:lstStyle>
         <a:p>
-          <a:pPr marL="0" lvl="0" indent="0" algn="ctr" defTabSz="933450">
+          <a:pPr lvl="0">
             <a:lnSpc>
               <a:spcPct val="100000"/>
             </a:lnSpc>
@@ -2345,44 +2424,42 @@
             <a:spcAft>
               <a:spcPct val="35000"/>
             </a:spcAft>
-            <a:buNone/>
           </a:pPr>
           <a:r>
-            <a:rPr lang="zh-CN" altLang="en-US" sz="2100" kern="1200"/>
+            <a:rPr lang="zh-CN" altLang="en-US"/>
             <a:t>卡牌系统</a:t>
           </a:r>
         </a:p>
       </dsp:txBody>
       <dsp:txXfrm>
-        <a:off x="5066164" y="2708045"/>
-        <a:ext cx="749786" cy="749786"/>
+        <a:off x="4935169" y="2552011"/>
+        <a:ext cx="1061788" cy="1061788"/>
       </dsp:txXfrm>
     </dsp:sp>
     <dsp:sp modelId="{A27E8F25-3FF6-4BDB-AC60-BAC2D7C34B3C}">
       <dsp:nvSpPr>
-        <dsp:cNvPr id="0" name=""/>
+        <dsp:cNvPr id="13" name="矩形 12"/>
         <dsp:cNvSpPr/>
       </dsp:nvSpPr>
-      <dsp:spPr>
+      <dsp:spPr bwMode="white">
         <a:xfrm>
-          <a:off x="6077272" y="2552759"/>
-          <a:ext cx="1590537" cy="1060358"/>
+          <a:off x="6103136" y="2552011"/>
+          <a:ext cx="1592682" cy="1061788"/>
         </a:xfrm>
         <a:prstGeom prst="rect">
           <a:avLst/>
         </a:prstGeom>
-        <a:noFill/>
-        <a:ln>
-          <a:noFill/>
-        </a:ln>
-        <a:effectLst/>
       </dsp:spPr>
       <dsp:style>
         <a:lnRef idx="0">
-          <a:scrgbClr r="0" g="0" b="0"/>
+          <a:schemeClr val="dk1">
+            <a:alpha val="0"/>
+          </a:schemeClr>
         </a:lnRef>
         <a:fillRef idx="0">
-          <a:scrgbClr r="0" g="0" b="0"/>
+          <a:schemeClr val="lt1">
+            <a:alpha val="0"/>
+          </a:schemeClr>
         </a:fillRef>
         <a:effectRef idx="0">
           <a:scrgbClr r="0" g="0" b="0"/>
@@ -2390,12 +2467,38 @@
         <a:fontRef idx="minor"/>
       </dsp:style>
       <dsp:txBody>
-        <a:bodyPr spcFirstLastPara="0" vert="horz" wrap="square" lIns="0" tIns="0" rIns="0" bIns="0" numCol="1" spcCol="1270" anchor="ctr" anchorCtr="0">
-          <a:noAutofit/>
-        </a:bodyPr>
-        <a:lstStyle/>
+        <a:bodyPr vert="horz" wrap="square" lIns="0" tIns="0" rIns="0" bIns="0" anchor="ctr"/>
+        <a:lstStyle>
+          <a:lvl1pPr algn="l">
+            <a:defRPr sz="6500"/>
+          </a:lvl1pPr>
+          <a:lvl2pPr marL="171450" indent="-171450" algn="l">
+            <a:defRPr sz="1700"/>
+          </a:lvl2pPr>
+          <a:lvl3pPr marL="342900" indent="-171450" algn="l">
+            <a:defRPr sz="1700"/>
+          </a:lvl3pPr>
+          <a:lvl4pPr marL="514350" indent="-171450" algn="l">
+            <a:defRPr sz="1700"/>
+          </a:lvl4pPr>
+          <a:lvl5pPr marL="685800" indent="-171450" algn="l">
+            <a:defRPr sz="1700"/>
+          </a:lvl5pPr>
+          <a:lvl6pPr marL="857250" indent="-171450" algn="l">
+            <a:defRPr sz="1700"/>
+          </a:lvl6pPr>
+          <a:lvl7pPr marL="1028700" indent="-171450" algn="l">
+            <a:defRPr sz="1700"/>
+          </a:lvl7pPr>
+          <a:lvl8pPr marL="1200150" indent="-171450" algn="l">
+            <a:defRPr sz="1700"/>
+          </a:lvl8pPr>
+          <a:lvl9pPr marL="1371600" indent="-171450" algn="l">
+            <a:defRPr sz="1700"/>
+          </a:lvl9pPr>
+        </a:lstStyle>
         <a:p>
-          <a:pPr marL="171450" lvl="1" indent="-171450" algn="l" defTabSz="755650">
+          <a:pPr lvl="1">
             <a:lnSpc>
               <a:spcPct val="100000"/>
             </a:lnSpc>
@@ -2408,12 +2511,21 @@
             <a:buChar char="•"/>
           </a:pPr>
           <a:r>
-            <a:rPr lang="zh-CN" altLang="en-US" sz="1700" kern="1200"/>
+            <a:rPr lang="zh-CN" altLang="en-US">
+              <a:solidFill>
+                <a:schemeClr val="tx1"/>
+              </a:solidFill>
+            </a:rPr>
             <a:t>抽卡</a:t>
           </a:r>
+          <a:endParaRPr lang="zh-CN" altLang="en-US">
+            <a:solidFill>
+              <a:schemeClr val="tx1"/>
+            </a:solidFill>
+          </a:endParaRPr>
         </a:p>
         <a:p>
-          <a:pPr marL="171450" lvl="1" indent="-171450" algn="l" defTabSz="755650">
+          <a:pPr lvl="1">
             <a:lnSpc>
               <a:spcPct val="100000"/>
             </a:lnSpc>
@@ -2426,56 +2538,45 @@
             <a:buChar char="•"/>
           </a:pPr>
           <a:r>
-            <a:rPr lang="zh-CN" altLang="en-US" sz="1700" kern="1200" dirty="0"/>
+            <a:rPr lang="zh-CN" altLang="en-US" dirty="0">
+              <a:solidFill>
+                <a:schemeClr val="tx1"/>
+              </a:solidFill>
+            </a:rPr>
             <a:t>牌堆、手牌、弃牌</a:t>
           </a:r>
+          <a:endParaRPr>
+            <a:solidFill>
+              <a:schemeClr val="tx1"/>
+            </a:solidFill>
+          </a:endParaRPr>
         </a:p>
       </dsp:txBody>
       <dsp:txXfrm>
-        <a:off x="6077272" y="2552759"/>
-        <a:ext cx="1590537" cy="1060358"/>
+        <a:off x="6103136" y="2552011"/>
+        <a:ext cx="1592682" cy="1061788"/>
       </dsp:txXfrm>
     </dsp:sp>
     <dsp:sp modelId="{55CE79F0-7751-4EB6-87E6-90931F53208C}">
       <dsp:nvSpPr>
-        <dsp:cNvPr id="0" name=""/>
+        <dsp:cNvPr id="15" name="椭圆 14"/>
         <dsp:cNvSpPr/>
       </dsp:nvSpPr>
-      <dsp:spPr>
+      <dsp:spPr bwMode="white">
         <a:xfrm>
-          <a:off x="4227035" y="3737209"/>
-          <a:ext cx="1060358" cy="1060358"/>
+          <a:off x="4251360" y="3736404"/>
+          <a:ext cx="1061788" cy="1061788"/>
         </a:xfrm>
         <a:prstGeom prst="ellipse">
           <a:avLst/>
         </a:prstGeom>
-        <a:solidFill>
-          <a:schemeClr val="accent1">
-            <a:hueOff val="0"/>
-            <a:satOff val="0"/>
-            <a:lumOff val="0"/>
-            <a:alphaOff val="0"/>
-          </a:schemeClr>
-        </a:solidFill>
-        <a:ln w="22225" cap="rnd" cmpd="sng" algn="ctr">
-          <a:solidFill>
-            <a:schemeClr val="lt1">
-              <a:hueOff val="0"/>
-              <a:satOff val="0"/>
-              <a:lumOff val="0"/>
-              <a:alphaOff val="0"/>
-            </a:schemeClr>
-          </a:solidFill>
-          <a:prstDash val="solid"/>
-        </a:ln>
-        <a:effectLst/>
       </dsp:spPr>
       <dsp:style>
         <a:lnRef idx="2">
-          <a:scrgbClr r="0" g="0" b="0"/>
+          <a:schemeClr val="lt1"/>
         </a:lnRef>
         <a:fillRef idx="1">
-          <a:scrgbClr r="0" g="0" b="0"/>
+          <a:schemeClr val="accent1"/>
         </a:fillRef>
         <a:effectRef idx="0">
           <a:scrgbClr r="0" g="0" b="0"/>
@@ -2485,12 +2586,38 @@
         </a:fontRef>
       </dsp:style>
       <dsp:txBody>
-        <a:bodyPr spcFirstLastPara="0" vert="horz" wrap="square" lIns="13335" tIns="13335" rIns="13335" bIns="13335" numCol="1" spcCol="1270" anchor="ctr" anchorCtr="0">
-          <a:noAutofit/>
-        </a:bodyPr>
-        <a:lstStyle/>
+        <a:bodyPr vert="horz" wrap="square" lIns="14605" tIns="14605" rIns="14605" bIns="14605" anchor="ctr"/>
+        <a:lstStyle>
+          <a:lvl1pPr algn="ctr">
+            <a:defRPr sz="2300"/>
+          </a:lvl1pPr>
+          <a:lvl2pPr marL="171450" indent="-171450" algn="ctr">
+            <a:defRPr sz="1700"/>
+          </a:lvl2pPr>
+          <a:lvl3pPr marL="342900" indent="-171450" algn="ctr">
+            <a:defRPr sz="1700"/>
+          </a:lvl3pPr>
+          <a:lvl4pPr marL="514350" indent="-171450" algn="ctr">
+            <a:defRPr sz="1700"/>
+          </a:lvl4pPr>
+          <a:lvl5pPr marL="685800" indent="-171450" algn="ctr">
+            <a:defRPr sz="1700"/>
+          </a:lvl5pPr>
+          <a:lvl6pPr marL="857250" indent="-171450" algn="ctr">
+            <a:defRPr sz="1700"/>
+          </a:lvl6pPr>
+          <a:lvl7pPr marL="1028700" indent="-171450" algn="ctr">
+            <a:defRPr sz="1700"/>
+          </a:lvl7pPr>
+          <a:lvl8pPr marL="1200150" indent="-171450" algn="ctr">
+            <a:defRPr sz="1700"/>
+          </a:lvl8pPr>
+          <a:lvl9pPr marL="1371600" indent="-171450" algn="ctr">
+            <a:defRPr sz="1700"/>
+          </a:lvl9pPr>
+        </a:lstStyle>
         <a:p>
-          <a:pPr marL="0" lvl="0" indent="0" algn="ctr" defTabSz="933450">
+          <a:pPr lvl="0">
             <a:lnSpc>
               <a:spcPct val="100000"/>
             </a:lnSpc>
@@ -2500,44 +2627,42 @@
             <a:spcAft>
               <a:spcPct val="35000"/>
             </a:spcAft>
-            <a:buNone/>
           </a:pPr>
           <a:r>
-            <a:rPr lang="zh-CN" sz="2100" kern="1200" dirty="0"/>
+            <a:rPr lang="zh-CN" dirty="0"/>
             <a:t>战棋系统</a:t>
           </a:r>
         </a:p>
       </dsp:txBody>
       <dsp:txXfrm>
-        <a:off x="4382321" y="3892495"/>
-        <a:ext cx="749786" cy="749786"/>
+        <a:off x="4251360" y="3736404"/>
+        <a:ext cx="1061788" cy="1061788"/>
       </dsp:txXfrm>
     </dsp:sp>
     <dsp:sp modelId="{C1735A6A-BEDF-4DE5-991D-8C9368B4B769}">
       <dsp:nvSpPr>
-        <dsp:cNvPr id="0" name=""/>
+        <dsp:cNvPr id="16" name="矩形 15"/>
         <dsp:cNvSpPr/>
       </dsp:nvSpPr>
-      <dsp:spPr>
+      <dsp:spPr bwMode="white">
         <a:xfrm>
-          <a:off x="5393429" y="3737209"/>
-          <a:ext cx="1590537" cy="1060358"/>
+          <a:off x="5419326" y="3736404"/>
+          <a:ext cx="1592682" cy="1061788"/>
         </a:xfrm>
         <a:prstGeom prst="rect">
           <a:avLst/>
         </a:prstGeom>
-        <a:noFill/>
-        <a:ln>
-          <a:noFill/>
-        </a:ln>
-        <a:effectLst/>
       </dsp:spPr>
       <dsp:style>
         <a:lnRef idx="0">
-          <a:scrgbClr r="0" g="0" b="0"/>
+          <a:schemeClr val="dk1">
+            <a:alpha val="0"/>
+          </a:schemeClr>
         </a:lnRef>
         <a:fillRef idx="0">
-          <a:scrgbClr r="0" g="0" b="0"/>
+          <a:schemeClr val="lt1">
+            <a:alpha val="0"/>
+          </a:schemeClr>
         </a:fillRef>
         <a:effectRef idx="0">
           <a:scrgbClr r="0" g="0" b="0"/>
@@ -2545,14 +2670,40 @@
         <a:fontRef idx="minor"/>
       </dsp:style>
       <dsp:txBody>
-        <a:bodyPr spcFirstLastPara="0" vert="horz" wrap="square" lIns="0" tIns="0" rIns="0" bIns="0" numCol="1" spcCol="1270" anchor="ctr" anchorCtr="0">
-          <a:noAutofit/>
-        </a:bodyPr>
-        <a:lstStyle/>
+        <a:bodyPr lIns="0" tIns="0" rIns="0" bIns="0" anchor="ctr"/>
+        <a:lstStyle>
+          <a:lvl1pPr algn="l">
+            <a:defRPr sz="6500"/>
+          </a:lvl1pPr>
+          <a:lvl2pPr marL="171450" indent="-171450" algn="l">
+            <a:defRPr sz="1700"/>
+          </a:lvl2pPr>
+          <a:lvl3pPr marL="342900" indent="-171450" algn="l">
+            <a:defRPr sz="1700"/>
+          </a:lvl3pPr>
+          <a:lvl4pPr marL="514350" indent="-171450" algn="l">
+            <a:defRPr sz="1700"/>
+          </a:lvl4pPr>
+          <a:lvl5pPr marL="685800" indent="-171450" algn="l">
+            <a:defRPr sz="1700"/>
+          </a:lvl5pPr>
+          <a:lvl6pPr marL="857250" indent="-171450" algn="l">
+            <a:defRPr sz="1700"/>
+          </a:lvl6pPr>
+          <a:lvl7pPr marL="1028700" indent="-171450" algn="l">
+            <a:defRPr sz="1700"/>
+          </a:lvl7pPr>
+          <a:lvl8pPr marL="1200150" indent="-171450" algn="l">
+            <a:defRPr sz="1700"/>
+          </a:lvl8pPr>
+          <a:lvl9pPr marL="1371600" indent="-171450" algn="l">
+            <a:defRPr sz="1700"/>
+          </a:lvl9pPr>
+        </a:lstStyle>
         <a:p>
-          <a:pPr marL="171450" lvl="1" indent="-171450" algn="l" defTabSz="755650">
+          <a:pPr lvl="1">
             <a:lnSpc>
-              <a:spcPct val="90000"/>
+              <a:spcPct val="100000"/>
             </a:lnSpc>
             <a:spcBef>
               <a:spcPct val="0"/>
@@ -2563,15 +2714,23 @@
             <a:buChar char="•"/>
           </a:pPr>
           <a:r>
-            <a:rPr lang="zh-CN" altLang="en-US" sz="1700" kern="1200" dirty="0"/>
+            <a:rPr lang="zh-CN" altLang="en-US" dirty="0">
+              <a:solidFill>
+                <a:schemeClr val="tx1"/>
+              </a:solidFill>
+            </a:rPr>
             <a:t>点击移动</a:t>
           </a:r>
-          <a:endParaRPr altLang="en-US" sz="1700" kern="1200" dirty="0"/>
+          <a:endParaRPr altLang="en-US" dirty="0">
+            <a:solidFill>
+              <a:schemeClr val="tx1"/>
+            </a:solidFill>
+          </a:endParaRPr>
         </a:p>
         <a:p>
-          <a:pPr marL="171450" lvl="1" indent="-171450" algn="l" defTabSz="755650">
+          <a:pPr lvl="1">
             <a:lnSpc>
-              <a:spcPct val="90000"/>
+              <a:spcPct val="100000"/>
             </a:lnSpc>
             <a:spcBef>
               <a:spcPct val="0"/>
@@ -2582,15 +2741,42 @@
             <a:buChar char="•"/>
           </a:pPr>
           <a:r>
-            <a:rPr lang="zh-CN" altLang="en-US" sz="1700" kern="1200" dirty="0"/>
+            <a:rPr lang="zh-CN" altLang="en-US" dirty="0">
+              <a:solidFill>
+                <a:schemeClr val="tx1"/>
+              </a:solidFill>
+            </a:rPr>
             <a:t>点击出牌</a:t>
           </a:r>
-          <a:endParaRPr altLang="en-US" sz="1700" kern="1200" dirty="0"/>
+          <a:endParaRPr altLang="en-US" dirty="0">
+            <a:solidFill>
+              <a:schemeClr val="tx1"/>
+            </a:solidFill>
+          </a:endParaRPr>
         </a:p>
       </dsp:txBody>
       <dsp:txXfrm>
-        <a:off x="5393429" y="3737209"/>
-        <a:ext cx="1590537" cy="1060358"/>
+        <a:off x="5419326" y="3736404"/>
+        <a:ext cx="1592682" cy="1061788"/>
+      </dsp:txXfrm>
+    </dsp:sp>
+    <dsp:sp modelId="{85032AF7-CC0A-43B1-ADBC-12E888570430}">
+      <dsp:nvSpPr>
+        <dsp:cNvPr id="3" name="椭圆 2" hidden="1"/>
+        <dsp:cNvSpPr/>
+      </dsp:nvSpPr>
+      <dsp:spPr>
+        <a:xfrm>
+          <a:off x="3144106" y="1779720"/>
+          <a:ext cx="1238753" cy="1238753"/>
+        </a:xfrm>
+        <a:prstGeom prst="ellipse">
+          <a:avLst/>
+        </a:prstGeom>
+      </dsp:spPr>
+      <dsp:txXfrm>
+        <a:off x="3144106" y="1779720"/>
+        <a:ext cx="1238753" cy="1238753"/>
       </dsp:txXfrm>
     </dsp:sp>
   </dsp:spTree>
@@ -2960,7 +3146,6 @@
       <a:camera prst="orthographicFront"/>
       <a:lightRig rig="threePt" dir="t"/>
     </dgm:scene3d>
-    <dgm:sp3d/>
     <dgm:txPr/>
     <dgm:style>
       <a:lnRef idx="2">
@@ -2980,7 +3165,6 @@
       <a:camera prst="orthographicFront"/>
       <a:lightRig rig="threePt" dir="t"/>
     </dgm:scene3d>
-    <dgm:sp3d/>
     <dgm:txPr/>
     <dgm:style>
       <a:lnRef idx="2">
@@ -3000,7 +3184,6 @@
       <a:camera prst="orthographicFront"/>
       <a:lightRig rig="threePt" dir="t"/>
     </dgm:scene3d>
-    <dgm:sp3d/>
     <dgm:txPr/>
     <dgm:style>
       <a:lnRef idx="2">
@@ -3020,7 +3203,6 @@
       <a:camera prst="orthographicFront"/>
       <a:lightRig rig="threePt" dir="t"/>
     </dgm:scene3d>
-    <dgm:sp3d/>
     <dgm:txPr/>
     <dgm:style>
       <a:lnRef idx="2">
@@ -3042,7 +3224,6 @@
       <a:camera prst="orthographicFront"/>
       <a:lightRig rig="threePt" dir="t"/>
     </dgm:scene3d>
-    <dgm:sp3d/>
     <dgm:txPr/>
     <dgm:style>
       <a:lnRef idx="2">
@@ -3064,7 +3245,6 @@
       <a:camera prst="orthographicFront"/>
       <a:lightRig rig="threePt" dir="t"/>
     </dgm:scene3d>
-    <dgm:sp3d/>
     <dgm:txPr/>
     <dgm:style>
       <a:lnRef idx="2">
@@ -3086,7 +3266,6 @@
       <a:camera prst="orthographicFront"/>
       <a:lightRig rig="threePt" dir="t"/>
     </dgm:scene3d>
-    <dgm:sp3d/>
     <dgm:txPr/>
     <dgm:style>
       <a:lnRef idx="2">
@@ -3108,7 +3287,6 @@
       <a:camera prst="orthographicFront"/>
       <a:lightRig rig="threePt" dir="t"/>
     </dgm:scene3d>
-    <dgm:sp3d/>
     <dgm:txPr/>
     <dgm:style>
       <a:lnRef idx="2">
@@ -3130,7 +3308,6 @@
       <a:camera prst="orthographicFront"/>
       <a:lightRig rig="threePt" dir="t"/>
     </dgm:scene3d>
-    <dgm:sp3d/>
     <dgm:txPr/>
     <dgm:style>
       <a:lnRef idx="2">
@@ -3152,7 +3329,6 @@
       <a:camera prst="orthographicFront"/>
       <a:lightRig rig="threePt" dir="t"/>
     </dgm:scene3d>
-    <dgm:sp3d/>
     <dgm:txPr/>
     <dgm:style>
       <a:lnRef idx="2">
@@ -3172,7 +3348,6 @@
       <a:camera prst="orthographicFront"/>
       <a:lightRig rig="threePt" dir="t"/>
     </dgm:scene3d>
-    <dgm:sp3d/>
     <dgm:txPr/>
     <dgm:style>
       <a:lnRef idx="2">
@@ -3192,7 +3367,6 @@
       <a:camera prst="orthographicFront"/>
       <a:lightRig rig="threePt" dir="t"/>
     </dgm:scene3d>
-    <dgm:sp3d/>
     <dgm:txPr/>
     <dgm:style>
       <a:lnRef idx="2">
@@ -3212,7 +3386,6 @@
       <a:camera prst="orthographicFront"/>
       <a:lightRig rig="threePt" dir="t"/>
     </dgm:scene3d>
-    <dgm:sp3d/>
     <dgm:txPr/>
     <dgm:style>
       <a:lnRef idx="0">
@@ -3232,7 +3405,6 @@
       <a:camera prst="orthographicFront"/>
       <a:lightRig rig="threePt" dir="t"/>
     </dgm:scene3d>
-    <dgm:sp3d/>
     <dgm:txPr/>
     <dgm:style>
       <a:lnRef idx="0">
@@ -3254,7 +3426,6 @@
       <a:camera prst="orthographicFront"/>
       <a:lightRig rig="threePt" dir="t"/>
     </dgm:scene3d>
-    <dgm:sp3d/>
     <dgm:txPr/>
     <dgm:style>
       <a:lnRef idx="2">
@@ -3274,7 +3445,6 @@
       <a:camera prst="orthographicFront"/>
       <a:lightRig rig="threePt" dir="t"/>
     </dgm:scene3d>
-    <dgm:sp3d/>
     <dgm:txPr/>
     <dgm:style>
       <a:lnRef idx="2">
@@ -3294,7 +3464,6 @@
       <a:camera prst="orthographicFront"/>
       <a:lightRig rig="threePt" dir="t"/>
     </dgm:scene3d>
-    <dgm:sp3d/>
     <dgm:txPr/>
     <dgm:style>
       <a:lnRef idx="0">
@@ -3314,7 +3483,6 @@
       <a:camera prst="orthographicFront"/>
       <a:lightRig rig="threePt" dir="t"/>
     </dgm:scene3d>
-    <dgm:sp3d/>
     <dgm:txPr/>
     <dgm:style>
       <a:lnRef idx="2">
@@ -3334,7 +3502,6 @@
       <a:camera prst="orthographicFront"/>
       <a:lightRig rig="threePt" dir="t"/>
     </dgm:scene3d>
-    <dgm:sp3d/>
     <dgm:txPr/>
     <dgm:style>
       <a:lnRef idx="2">
@@ -3354,7 +3521,6 @@
       <a:camera prst="orthographicFront"/>
       <a:lightRig rig="threePt" dir="t"/>
     </dgm:scene3d>
-    <dgm:sp3d/>
     <dgm:txPr/>
     <dgm:style>
       <a:lnRef idx="2">
@@ -3374,7 +3540,6 @@
       <a:camera prst="orthographicFront"/>
       <a:lightRig rig="threePt" dir="t"/>
     </dgm:scene3d>
-    <dgm:sp3d/>
     <dgm:txPr/>
     <dgm:style>
       <a:lnRef idx="2">
@@ -3394,7 +3559,6 @@
       <a:camera prst="orthographicFront"/>
       <a:lightRig rig="threePt" dir="t"/>
     </dgm:scene3d>
-    <dgm:sp3d/>
     <dgm:txPr/>
     <dgm:style>
       <a:lnRef idx="2">
@@ -3414,7 +3578,6 @@
       <a:camera prst="orthographicFront"/>
       <a:lightRig rig="threePt" dir="t"/>
     </dgm:scene3d>
-    <dgm:sp3d/>
     <dgm:txPr/>
     <dgm:style>
       <a:lnRef idx="2">
@@ -3434,7 +3597,6 @@
       <a:camera prst="orthographicFront"/>
       <a:lightRig rig="threePt" dir="t"/>
     </dgm:scene3d>
-    <dgm:sp3d/>
     <dgm:txPr/>
     <dgm:style>
       <a:lnRef idx="2">
@@ -3454,7 +3616,6 @@
       <a:camera prst="orthographicFront"/>
       <a:lightRig rig="threePt" dir="t"/>
     </dgm:scene3d>
-    <dgm:sp3d/>
     <dgm:txPr/>
     <dgm:style>
       <a:lnRef idx="2">
@@ -3474,7 +3635,6 @@
       <a:camera prst="orthographicFront"/>
       <a:lightRig rig="threePt" dir="t"/>
     </dgm:scene3d>
-    <dgm:sp3d/>
     <dgm:txPr/>
     <dgm:style>
       <a:lnRef idx="0">
@@ -3496,7 +3656,6 @@
       <a:camera prst="orthographicFront"/>
       <a:lightRig rig="threePt" dir="t"/>
     </dgm:scene3d>
-    <dgm:sp3d/>
     <dgm:txPr/>
     <dgm:style>
       <a:lnRef idx="2">
@@ -3518,7 +3677,6 @@
       <a:camera prst="orthographicFront"/>
       <a:lightRig rig="threePt" dir="t"/>
     </dgm:scene3d>
-    <dgm:sp3d/>
     <dgm:txPr/>
     <dgm:style>
       <a:lnRef idx="2">
@@ -3540,7 +3698,6 @@
       <a:camera prst="orthographicFront"/>
       <a:lightRig rig="threePt" dir="t"/>
     </dgm:scene3d>
-    <dgm:sp3d/>
     <dgm:txPr/>
     <dgm:style>
       <a:lnRef idx="2">
@@ -3562,7 +3719,6 @@
       <a:camera prst="orthographicFront"/>
       <a:lightRig rig="threePt" dir="t"/>
     </dgm:scene3d>
-    <dgm:sp3d/>
     <dgm:txPr/>
     <dgm:style>
       <a:lnRef idx="2">
@@ -3584,7 +3740,6 @@
       <a:camera prst="orthographicFront"/>
       <a:lightRig rig="threePt" dir="t"/>
     </dgm:scene3d>
-    <dgm:sp3d/>
     <dgm:txPr/>
     <dgm:style>
       <a:lnRef idx="2">
@@ -3606,7 +3761,6 @@
       <a:camera prst="orthographicFront"/>
       <a:lightRig rig="threePt" dir="t"/>
     </dgm:scene3d>
-    <dgm:sp3d/>
     <dgm:txPr/>
     <dgm:style>
       <a:lnRef idx="2">
@@ -3628,7 +3782,6 @@
       <a:camera prst="orthographicFront"/>
       <a:lightRig rig="threePt" dir="t"/>
     </dgm:scene3d>
-    <dgm:sp3d/>
     <dgm:txPr/>
     <dgm:style>
       <a:lnRef idx="2">
@@ -3648,7 +3801,6 @@
       <a:camera prst="orthographicFront"/>
       <a:lightRig rig="threePt" dir="t"/>
     </dgm:scene3d>
-    <dgm:sp3d/>
     <dgm:txPr/>
     <dgm:style>
       <a:lnRef idx="2">
@@ -3668,7 +3820,6 @@
       <a:camera prst="orthographicFront"/>
       <a:lightRig rig="threePt" dir="t"/>
     </dgm:scene3d>
-    <dgm:sp3d/>
     <dgm:txPr/>
     <dgm:style>
       <a:lnRef idx="2">
@@ -3688,7 +3839,6 @@
       <a:camera prst="orthographicFront"/>
       <a:lightRig rig="threePt" dir="t"/>
     </dgm:scene3d>
-    <dgm:sp3d/>
     <dgm:txPr/>
     <dgm:style>
       <a:lnRef idx="2">
@@ -3708,7 +3858,6 @@
       <a:camera prst="orthographicFront"/>
       <a:lightRig rig="threePt" dir="t"/>
     </dgm:scene3d>
-    <dgm:sp3d/>
     <dgm:txPr/>
     <dgm:style>
       <a:lnRef idx="2">
@@ -3730,7 +3879,6 @@
       <a:camera prst="orthographicFront"/>
       <a:lightRig rig="threePt" dir="t"/>
     </dgm:scene3d>
-    <dgm:sp3d/>
     <dgm:txPr/>
     <dgm:style>
       <a:lnRef idx="2">
@@ -3752,7 +3900,6 @@
       <a:camera prst="orthographicFront"/>
       <a:lightRig rig="threePt" dir="t"/>
     </dgm:scene3d>
-    <dgm:sp3d/>
     <dgm:txPr/>
     <dgm:style>
       <a:lnRef idx="2">
@@ -3774,7 +3921,6 @@
       <a:camera prst="orthographicFront"/>
       <a:lightRig rig="threePt" dir="t"/>
     </dgm:scene3d>
-    <dgm:sp3d/>
     <dgm:txPr/>
     <dgm:style>
       <a:lnRef idx="2">
@@ -3796,7 +3942,6 @@
       <a:camera prst="orthographicFront"/>
       <a:lightRig rig="threePt" dir="t"/>
     </dgm:scene3d>
-    <dgm:sp3d/>
     <dgm:txPr/>
     <dgm:style>
       <a:lnRef idx="0">
@@ -3816,7 +3961,6 @@
       <a:camera prst="orthographicFront"/>
       <a:lightRig rig="threePt" dir="t"/>
     </dgm:scene3d>
-    <dgm:sp3d/>
     <dgm:txPr/>
     <dgm:style>
       <a:lnRef idx="1">
@@ -3836,7 +3980,6 @@
       <a:camera prst="orthographicFront"/>
       <a:lightRig rig="threePt" dir="t"/>
     </dgm:scene3d>
-    <dgm:sp3d/>
     <dgm:txPr/>
     <dgm:style>
       <a:lnRef idx="0">
@@ -3858,7 +4001,6 @@
       <a:camera prst="orthographicFront"/>
       <a:lightRig rig="threePt" dir="t"/>
     </dgm:scene3d>
-    <dgm:sp3d/>
     <dgm:txPr/>
     <dgm:style>
       <a:lnRef idx="2">
@@ -3878,7 +4020,6 @@
       <a:camera prst="orthographicFront"/>
       <a:lightRig rig="threePt" dir="t"/>
     </dgm:scene3d>
-    <dgm:sp3d/>
     <dgm:txPr/>
     <dgm:style>
       <a:lnRef idx="2">
@@ -3898,7 +4039,6 @@
       <a:camera prst="orthographicFront"/>
       <a:lightRig rig="threePt" dir="t"/>
     </dgm:scene3d>
-    <dgm:sp3d/>
     <dgm:txPr/>
     <dgm:style>
       <a:lnRef idx="2">
@@ -3918,7 +4058,6 @@
       <a:camera prst="orthographicFront"/>
       <a:lightRig rig="threePt" dir="t"/>
     </dgm:scene3d>
-    <dgm:sp3d/>
     <dgm:txPr/>
     <dgm:style>
       <a:lnRef idx="1">
@@ -3938,7 +4077,6 @@
       <a:camera prst="orthographicFront"/>
       <a:lightRig rig="threePt" dir="t"/>
     </dgm:scene3d>
-    <dgm:sp3d/>
     <dgm:txPr/>
     <dgm:style>
       <a:lnRef idx="0">
@@ -3958,7 +4096,6 @@
       <a:camera prst="orthographicFront"/>
       <a:lightRig rig="threePt" dir="t"/>
     </dgm:scene3d>
-    <dgm:sp3d/>
     <dgm:txPr/>
     <dgm:style>
       <a:lnRef idx="2">
@@ -4068,7 +4205,6 @@
                 <a:ea typeface="Unifont" panose="020B0406020202080204" charset="-122"/>
                 <a:cs typeface="Unifont" panose="020B0406020202080204" charset="-122"/>
               </a:rPr>
-              <a:t>2024/4/12</a:t>
             </a:fld>
             <a:endParaRPr lang="zh-CN" altLang="en-US">
               <a:latin typeface="Unifont" panose="020B0406020202080204" charset="-122"/>
@@ -4146,7 +4282,6 @@
                 <a:ea typeface="Unifont" panose="020B0406020202080204" charset="-122"/>
                 <a:cs typeface="Unifont" panose="020B0406020202080204" charset="-122"/>
               </a:rPr>
-              <a:t>‹#›</a:t>
             </a:fld>
             <a:endParaRPr lang="zh-CN" altLang="en-US">
               <a:latin typeface="Unifont" panose="020B0406020202080204" charset="-122"/>
@@ -4157,11 +4292,6 @@
         </p:txBody>
       </p:sp>
     </p:spTree>
-    <p:extLst>
-      <p:ext uri="{BB962C8B-B14F-4D97-AF65-F5344CB8AC3E}">
-        <p14:creationId xmlns:p14="http://schemas.microsoft.com/office/powerpoint/2010/main" val="1"/>
-      </p:ext>
-    </p:extLst>
   </p:cSld>
   <p:clrMap bg1="lt1" tx1="dk1" bg2="lt2" tx2="dk2" accent1="accent1" accent2="accent2" accent3="accent3" accent4="accent4" accent5="accent5" accent6="accent6" hlink="hlink" folHlink="folHlink"/>
 </p:handoutMaster>
@@ -4257,7 +4387,6 @@
           <a:p>
             <a:fld id="{BDA51940-DB52-3B48-AABB-9C7938529E4E}" type="datetimeFigureOut">
               <a:rPr kumimoji="1" lang="zh-CN" altLang="en-US" smtClean="0"/>
-              <a:t>2024/4/12</a:t>
             </a:fld>
             <a:endParaRPr kumimoji="1" lang="zh-CN" altLang="en-US"/>
           </a:p>
@@ -4324,6 +4453,7 @@
               <a:rPr kumimoji="1" lang="zh-CN" altLang="en-US"/>
               <a:t>单击此处编辑母版文本样式</a:t>
             </a:r>
+            <a:endParaRPr kumimoji="1" lang="zh-CN" altLang="en-US"/>
           </a:p>
           <a:p>
             <a:pPr lvl="1"/>
@@ -4331,6 +4461,7 @@
               <a:rPr kumimoji="1" lang="zh-CN" altLang="en-US"/>
               <a:t>二级</a:t>
             </a:r>
+            <a:endParaRPr kumimoji="1" lang="zh-CN" altLang="en-US"/>
           </a:p>
           <a:p>
             <a:pPr lvl="2"/>
@@ -4338,6 +4469,7 @@
               <a:rPr kumimoji="1" lang="zh-CN" altLang="en-US"/>
               <a:t>三级</a:t>
             </a:r>
+            <a:endParaRPr kumimoji="1" lang="zh-CN" altLang="en-US"/>
           </a:p>
           <a:p>
             <a:pPr lvl="3"/>
@@ -4345,6 +4477,7 @@
               <a:rPr kumimoji="1" lang="zh-CN" altLang="en-US"/>
               <a:t>四级</a:t>
             </a:r>
+            <a:endParaRPr kumimoji="1" lang="zh-CN" altLang="en-US"/>
           </a:p>
           <a:p>
             <a:pPr lvl="4"/>
@@ -4352,6 +4485,7 @@
               <a:rPr kumimoji="1" lang="zh-CN" altLang="en-US"/>
               <a:t>五级</a:t>
             </a:r>
+            <a:endParaRPr kumimoji="1" lang="zh-CN" altLang="en-US"/>
           </a:p>
         </p:txBody>
       </p:sp>
@@ -4423,7 +4557,6 @@
           <a:p>
             <a:fld id="{6D18717E-F74C-4246-A795-6577BEDC8382}" type="slidenum">
               <a:rPr kumimoji="1" lang="zh-CN" altLang="en-US" smtClean="0"/>
-              <a:t>‹#›</a:t>
             </a:fld>
             <a:endParaRPr kumimoji="1" lang="zh-CN" altLang="en-US"/>
           </a:p>
@@ -4528,7 +4661,7 @@
 </file>
 
 <file path=ppt/slideLayouts/slideLayout1.xml><?xml version="1.0" encoding="utf-8"?>
-<p:sldLayout xmlns:a="http://schemas.openxmlformats.org/drawingml/2006/main" xmlns:r="http://schemas.openxmlformats.org/officeDocument/2006/relationships" xmlns:p="http://schemas.openxmlformats.org/presentationml/2006/main" showMasterSp="0" preserve="1" userDrawn="1">
+<p:sldLayout xmlns:a="http://schemas.openxmlformats.org/drawingml/2006/main" xmlns:r="http://schemas.openxmlformats.org/officeDocument/2006/relationships" xmlns:p="http://schemas.openxmlformats.org/presentationml/2006/main" preserve="1" showMasterSp="0" userDrawn="1">
   <p:cSld name="标题幻灯片">
     <p:spTree>
       <p:nvGrpSpPr>
@@ -4793,7 +4926,6 @@
           <a:p>
             <a:fld id="{E4551058-E5DB-324A-A8E9-6D3BEF243C3B}" type="datetimeFigureOut">
               <a:rPr kumimoji="1" lang="zh-CN" altLang="en-US" smtClean="0"/>
-              <a:t>2024/4/12</a:t>
             </a:fld>
             <a:endParaRPr kumimoji="1" lang="zh-CN" altLang="en-US"/>
           </a:p>
@@ -4835,7 +4967,6 @@
           <a:p>
             <a:fld id="{977BA8E6-E826-B147-AA17-E3D76A29629C}" type="slidenum">
               <a:rPr kumimoji="1" lang="zh-CN" altLang="en-US" smtClean="0"/>
-              <a:t>‹#›</a:t>
             </a:fld>
             <a:endParaRPr kumimoji="1" lang="zh-CN" altLang="en-US"/>
           </a:p>
@@ -4871,6 +5002,7 @@
               <a:rPr kumimoji="1" lang="zh-CN" altLang="en-US" dirty="0"/>
               <a:t>单击此处编辑母版标题样式</a:t>
             </a:r>
+            <a:endParaRPr kumimoji="1" lang="zh-CN" altLang="en-US" dirty="0"/>
           </a:p>
         </p:txBody>
       </p:sp>
@@ -4883,7 +5015,7 @@
 </file>
 
 <file path=ppt/slideLayouts/slideLayout10.xml><?xml version="1.0" encoding="utf-8"?>
-<p:sldLayout xmlns:a="http://schemas.openxmlformats.org/drawingml/2006/main" xmlns:r="http://schemas.openxmlformats.org/officeDocument/2006/relationships" xmlns:p="http://schemas.openxmlformats.org/presentationml/2006/main" showMasterSp="0" type="picTx" preserve="1">
+<p:sldLayout xmlns:a="http://schemas.openxmlformats.org/drawingml/2006/main" xmlns:r="http://schemas.openxmlformats.org/officeDocument/2006/relationships" xmlns:p="http://schemas.openxmlformats.org/presentationml/2006/main" type="picTx" preserve="1" showMasterSp="0">
   <p:cSld name="图片与标题">
     <p:spTree>
       <p:nvGrpSpPr>
@@ -5071,6 +5203,7 @@
               <a:rPr lang="zh-CN" altLang="en-US" dirty="0"/>
               <a:t>单击此处编辑母版文本样式</a:t>
             </a:r>
+            <a:endParaRPr lang="zh-CN" altLang="en-US" dirty="0"/>
           </a:p>
         </p:txBody>
       </p:sp>
@@ -5091,7 +5224,6 @@
           <a:p>
             <a:fld id="{E4551058-E5DB-324A-A8E9-6D3BEF243C3B}" type="datetimeFigureOut">
               <a:rPr kumimoji="1" lang="zh-CN" altLang="en-US" smtClean="0"/>
-              <a:t>2024/4/12</a:t>
             </a:fld>
             <a:endParaRPr kumimoji="1" lang="zh-CN" altLang="en-US"/>
           </a:p>
@@ -5133,7 +5265,6 @@
           <a:p>
             <a:fld id="{977BA8E6-E826-B147-AA17-E3D76A29629C}" type="slidenum">
               <a:rPr kumimoji="1" lang="zh-CN" altLang="en-US" smtClean="0"/>
-              <a:t>‹#›</a:t>
             </a:fld>
             <a:endParaRPr kumimoji="1" lang="zh-CN" altLang="en-US"/>
           </a:p>
@@ -5200,6 +5331,7 @@
               <a:rPr lang="zh-CN" altLang="en-US"/>
               <a:t>单击此处编辑母版文本样式</a:t>
             </a:r>
+            <a:endParaRPr lang="zh-CN" altLang="en-US"/>
           </a:p>
           <a:p>
             <a:pPr lvl="1"/>
@@ -5207,6 +5339,7 @@
               <a:rPr lang="zh-CN" altLang="en-US"/>
               <a:t>二级</a:t>
             </a:r>
+            <a:endParaRPr lang="zh-CN" altLang="en-US"/>
           </a:p>
           <a:p>
             <a:pPr lvl="2"/>
@@ -5214,6 +5347,7 @@
               <a:rPr lang="zh-CN" altLang="en-US"/>
               <a:t>三级</a:t>
             </a:r>
+            <a:endParaRPr lang="zh-CN" altLang="en-US"/>
           </a:p>
           <a:p>
             <a:pPr lvl="3"/>
@@ -5221,6 +5355,7 @@
               <a:rPr lang="zh-CN" altLang="en-US"/>
               <a:t>四级</a:t>
             </a:r>
+            <a:endParaRPr lang="zh-CN" altLang="en-US"/>
           </a:p>
           <a:p>
             <a:pPr lvl="4"/>
@@ -5249,7 +5384,6 @@
           <a:p>
             <a:fld id="{E4551058-E5DB-324A-A8E9-6D3BEF243C3B}" type="datetimeFigureOut">
               <a:rPr kumimoji="1" lang="zh-CN" altLang="en-US" smtClean="0"/>
-              <a:t>2024/4/12</a:t>
             </a:fld>
             <a:endParaRPr kumimoji="1" lang="zh-CN" altLang="en-US"/>
           </a:p>
@@ -5291,7 +5425,6 @@
           <a:p>
             <a:fld id="{977BA8E6-E826-B147-AA17-E3D76A29629C}" type="slidenum">
               <a:rPr kumimoji="1" lang="zh-CN" altLang="en-US" smtClean="0"/>
-              <a:t>‹#›</a:t>
             </a:fld>
             <a:endParaRPr kumimoji="1" lang="zh-CN" altLang="en-US"/>
           </a:p>
@@ -5316,6 +5449,7 @@
               <a:rPr kumimoji="1" lang="zh-CN" altLang="en-US" dirty="0"/>
               <a:t>单击此处编辑母版标题样式</a:t>
             </a:r>
+            <a:endParaRPr kumimoji="1" lang="zh-CN" altLang="en-US" dirty="0"/>
           </a:p>
         </p:txBody>
       </p:sp>
@@ -5328,7 +5462,7 @@
 </file>
 
 <file path=ppt/slideLayouts/slideLayout12.xml><?xml version="1.0" encoding="utf-8"?>
-<p:sldLayout xmlns:a="http://schemas.openxmlformats.org/drawingml/2006/main" xmlns:r="http://schemas.openxmlformats.org/officeDocument/2006/relationships" xmlns:p="http://schemas.openxmlformats.org/presentationml/2006/main" showMasterSp="0" preserve="1" userDrawn="1">
+<p:sldLayout xmlns:a="http://schemas.openxmlformats.org/drawingml/2006/main" xmlns:r="http://schemas.openxmlformats.org/officeDocument/2006/relationships" xmlns:p="http://schemas.openxmlformats.org/presentationml/2006/main" preserve="1" showMasterSp="0" userDrawn="1">
   <p:cSld name="竖排标题与文本">
     <p:spTree>
       <p:nvGrpSpPr>
@@ -5439,6 +5573,7 @@
               <a:rPr lang="zh-CN" altLang="en-US"/>
               <a:t>单击此处编辑母版文本样式</a:t>
             </a:r>
+            <a:endParaRPr lang="zh-CN" altLang="en-US"/>
           </a:p>
           <a:p>
             <a:pPr lvl="1"/>
@@ -5446,6 +5581,7 @@
               <a:rPr lang="zh-CN" altLang="en-US"/>
               <a:t>二级</a:t>
             </a:r>
+            <a:endParaRPr lang="zh-CN" altLang="en-US"/>
           </a:p>
           <a:p>
             <a:pPr lvl="2"/>
@@ -5453,6 +5589,7 @@
               <a:rPr lang="zh-CN" altLang="en-US"/>
               <a:t>三级</a:t>
             </a:r>
+            <a:endParaRPr lang="zh-CN" altLang="en-US"/>
           </a:p>
           <a:p>
             <a:pPr lvl="3"/>
@@ -5460,6 +5597,7 @@
               <a:rPr lang="zh-CN" altLang="en-US"/>
               <a:t>四级</a:t>
             </a:r>
+            <a:endParaRPr lang="zh-CN" altLang="en-US"/>
           </a:p>
           <a:p>
             <a:pPr lvl="4"/>
@@ -5488,7 +5626,6 @@
           <a:p>
             <a:fld id="{E4551058-E5DB-324A-A8E9-6D3BEF243C3B}" type="datetimeFigureOut">
               <a:rPr kumimoji="1" lang="zh-CN" altLang="en-US" smtClean="0"/>
-              <a:t>2024/4/12</a:t>
             </a:fld>
             <a:endParaRPr kumimoji="1" lang="zh-CN" altLang="en-US"/>
           </a:p>
@@ -5530,7 +5667,6 @@
           <a:p>
             <a:fld id="{977BA8E6-E826-B147-AA17-E3D76A29629C}" type="slidenum">
               <a:rPr kumimoji="1" lang="zh-CN" altLang="en-US" smtClean="0"/>
-              <a:t>‹#›</a:t>
             </a:fld>
             <a:endParaRPr kumimoji="1" lang="zh-CN" altLang="en-US"/>
           </a:p>
@@ -5586,6 +5722,7 @@
               <a:rPr lang="zh-CN" altLang="en-US" dirty="0"/>
               <a:t>单击此处编辑母版文本样式</a:t>
             </a:r>
+            <a:endParaRPr lang="zh-CN" altLang="en-US" dirty="0"/>
           </a:p>
           <a:p>
             <a:pPr lvl="1"/>
@@ -5593,6 +5730,7 @@
               <a:rPr lang="zh-CN" altLang="en-US" dirty="0"/>
               <a:t>二级</a:t>
             </a:r>
+            <a:endParaRPr lang="zh-CN" altLang="en-US" dirty="0"/>
           </a:p>
           <a:p>
             <a:pPr lvl="2"/>
@@ -5600,6 +5738,7 @@
               <a:rPr lang="zh-CN" altLang="en-US" dirty="0"/>
               <a:t>三级</a:t>
             </a:r>
+            <a:endParaRPr lang="zh-CN" altLang="en-US" dirty="0"/>
           </a:p>
           <a:p>
             <a:pPr lvl="3"/>
@@ -5607,6 +5746,7 @@
               <a:rPr lang="zh-CN" altLang="en-US" dirty="0"/>
               <a:t>四级</a:t>
             </a:r>
+            <a:endParaRPr lang="zh-CN" altLang="en-US" dirty="0"/>
           </a:p>
           <a:p>
             <a:pPr lvl="4"/>
@@ -5637,6 +5777,7 @@
               <a:rPr kumimoji="1" lang="zh-CN" altLang="en-US" dirty="0"/>
               <a:t>单击此处编辑母版标题样式</a:t>
             </a:r>
+            <a:endParaRPr kumimoji="1" lang="zh-CN" altLang="en-US" dirty="0"/>
           </a:p>
         </p:txBody>
       </p:sp>
@@ -5657,7 +5798,6 @@
           <a:p>
             <a:fld id="{E4551058-E5DB-324A-A8E9-6D3BEF243C3B}" type="datetimeFigureOut">
               <a:rPr kumimoji="1" lang="zh-CN" altLang="en-US" smtClean="0"/>
-              <a:t>2024/4/12</a:t>
             </a:fld>
             <a:endParaRPr kumimoji="1" lang="zh-CN" altLang="en-US"/>
           </a:p>
@@ -5699,7 +5839,6 @@
           <a:p>
             <a:fld id="{977BA8E6-E826-B147-AA17-E3D76A29629C}" type="slidenum">
               <a:rPr kumimoji="1" lang="zh-CN" altLang="en-US" smtClean="0"/>
-              <a:t>‹#›</a:t>
             </a:fld>
             <a:endParaRPr kumimoji="1" lang="zh-CN" altLang="en-US"/>
           </a:p>
@@ -5714,7 +5853,7 @@
 </file>
 
 <file path=ppt/slideLayouts/slideLayout3.xml><?xml version="1.0" encoding="utf-8"?>
-<p:sldLayout xmlns:a="http://schemas.openxmlformats.org/drawingml/2006/main" xmlns:r="http://schemas.openxmlformats.org/officeDocument/2006/relationships" xmlns:p="http://schemas.openxmlformats.org/presentationml/2006/main" showMasterSp="0" preserve="1" userDrawn="1">
+<p:sldLayout xmlns:a="http://schemas.openxmlformats.org/drawingml/2006/main" xmlns:r="http://schemas.openxmlformats.org/officeDocument/2006/relationships" xmlns:p="http://schemas.openxmlformats.org/presentationml/2006/main" preserve="1" showMasterSp="0" userDrawn="1">
   <p:cSld name="目录">
     <p:spTree>
       <p:nvGrpSpPr>
@@ -5773,6 +5912,7 @@
               <a:rPr lang="zh-CN" altLang="en-US" dirty="0"/>
               <a:t>单击此处编辑母版文本样式</a:t>
             </a:r>
+            <a:endParaRPr lang="zh-CN" altLang="en-US" dirty="0"/>
           </a:p>
           <a:p>
             <a:pPr lvl="1"/>
@@ -5780,6 +5920,7 @@
               <a:rPr lang="zh-CN" altLang="en-US" dirty="0"/>
               <a:t>二级</a:t>
             </a:r>
+            <a:endParaRPr lang="zh-CN" altLang="en-US" dirty="0"/>
           </a:p>
           <a:p>
             <a:pPr lvl="2"/>
@@ -5787,6 +5928,7 @@
               <a:rPr lang="zh-CN" altLang="en-US" dirty="0"/>
               <a:t>三级</a:t>
             </a:r>
+            <a:endParaRPr lang="zh-CN" altLang="en-US" dirty="0"/>
           </a:p>
           <a:p>
             <a:pPr lvl="3"/>
@@ -5794,6 +5936,7 @@
               <a:rPr lang="zh-CN" altLang="en-US" dirty="0"/>
               <a:t>四级</a:t>
             </a:r>
+            <a:endParaRPr lang="zh-CN" altLang="en-US" dirty="0"/>
           </a:p>
           <a:p>
             <a:pPr lvl="4"/>
@@ -5827,7 +5970,6 @@
           <a:p>
             <a:fld id="{E4551058-E5DB-324A-A8E9-6D3BEF243C3B}" type="datetimeFigureOut">
               <a:rPr kumimoji="1" lang="zh-CN" altLang="en-US" smtClean="0"/>
-              <a:t>2024/4/12</a:t>
             </a:fld>
             <a:endParaRPr kumimoji="1" lang="zh-CN" altLang="en-US"/>
           </a:p>
@@ -5879,7 +6021,6 @@
           <a:p>
             <a:fld id="{977BA8E6-E826-B147-AA17-E3D76A29629C}" type="slidenum">
               <a:rPr kumimoji="1" lang="zh-CN" altLang="en-US" smtClean="0"/>
-              <a:t>‹#›</a:t>
             </a:fld>
             <a:endParaRPr kumimoji="1" lang="zh-CN" altLang="en-US"/>
           </a:p>
@@ -6018,7 +6159,7 @@
 </file>
 
 <file path=ppt/slideLayouts/slideLayout4.xml><?xml version="1.0" encoding="utf-8"?>
-<p:sldLayout xmlns:a="http://schemas.openxmlformats.org/drawingml/2006/main" xmlns:r="http://schemas.openxmlformats.org/officeDocument/2006/relationships" xmlns:p="http://schemas.openxmlformats.org/presentationml/2006/main" showMasterSp="0" preserve="1" userDrawn="1">
+<p:sldLayout xmlns:a="http://schemas.openxmlformats.org/drawingml/2006/main" xmlns:r="http://schemas.openxmlformats.org/officeDocument/2006/relationships" xmlns:p="http://schemas.openxmlformats.org/presentationml/2006/main" preserve="1" showMasterSp="0" userDrawn="1">
   <p:cSld name="节标题">
     <p:spTree>
       <p:nvGrpSpPr>
@@ -6166,7 +6307,6 @@
           <a:p>
             <a:fld id="{E4551058-E5DB-324A-A8E9-6D3BEF243C3B}" type="datetimeFigureOut">
               <a:rPr kumimoji="1" lang="zh-CN" altLang="en-US" smtClean="0"/>
-              <a:t>2024/4/12</a:t>
             </a:fld>
             <a:endParaRPr kumimoji="1" lang="zh-CN" altLang="en-US"/>
           </a:p>
@@ -6218,7 +6358,6 @@
           <a:p>
             <a:fld id="{977BA8E6-E826-B147-AA17-E3D76A29629C}" type="slidenum">
               <a:rPr kumimoji="1" lang="zh-CN" altLang="en-US" smtClean="0"/>
-              <a:t>‹#›</a:t>
             </a:fld>
             <a:endParaRPr kumimoji="1" lang="zh-CN" altLang="en-US"/>
           </a:p>
@@ -6254,6 +6393,7 @@
               <a:rPr kumimoji="1" lang="zh-CN" altLang="en-US" dirty="0"/>
               <a:t>单击此处编辑母版标题样式</a:t>
             </a:r>
+            <a:endParaRPr kumimoji="1" lang="zh-CN" altLang="en-US" dirty="0"/>
           </a:p>
         </p:txBody>
       </p:sp>
@@ -6428,6 +6568,7 @@
               <a:rPr lang="zh-CN" altLang="en-US" dirty="0"/>
               <a:t>单击此处编辑母版文本样式</a:t>
             </a:r>
+            <a:endParaRPr lang="zh-CN" altLang="en-US" dirty="0"/>
           </a:p>
           <a:p>
             <a:pPr lvl="1"/>
@@ -6435,6 +6576,7 @@
               <a:rPr lang="zh-CN" altLang="en-US" dirty="0"/>
               <a:t>二级</a:t>
             </a:r>
+            <a:endParaRPr lang="zh-CN" altLang="en-US" dirty="0"/>
           </a:p>
           <a:p>
             <a:pPr lvl="2"/>
@@ -6442,6 +6584,7 @@
               <a:rPr lang="zh-CN" altLang="en-US" dirty="0"/>
               <a:t>三级</a:t>
             </a:r>
+            <a:endParaRPr lang="zh-CN" altLang="en-US" dirty="0"/>
           </a:p>
           <a:p>
             <a:pPr lvl="3"/>
@@ -6449,6 +6592,7 @@
               <a:rPr lang="zh-CN" altLang="en-US" dirty="0"/>
               <a:t>四级</a:t>
             </a:r>
+            <a:endParaRPr lang="zh-CN" altLang="en-US" dirty="0"/>
           </a:p>
           <a:p>
             <a:pPr lvl="4"/>
@@ -6487,6 +6631,7 @@
               <a:rPr lang="zh-CN" altLang="en-US" dirty="0"/>
               <a:t>单击此处编辑母版文本样式</a:t>
             </a:r>
+            <a:endParaRPr lang="zh-CN" altLang="en-US" dirty="0"/>
           </a:p>
           <a:p>
             <a:pPr lvl="1"/>
@@ -6494,6 +6639,7 @@
               <a:rPr lang="zh-CN" altLang="en-US" dirty="0"/>
               <a:t>二级</a:t>
             </a:r>
+            <a:endParaRPr lang="zh-CN" altLang="en-US" dirty="0"/>
           </a:p>
           <a:p>
             <a:pPr lvl="2"/>
@@ -6501,6 +6647,7 @@
               <a:rPr lang="zh-CN" altLang="en-US" dirty="0"/>
               <a:t>三级</a:t>
             </a:r>
+            <a:endParaRPr lang="zh-CN" altLang="en-US" dirty="0"/>
           </a:p>
           <a:p>
             <a:pPr lvl="3"/>
@@ -6508,6 +6655,7 @@
               <a:rPr lang="zh-CN" altLang="en-US" dirty="0"/>
               <a:t>四级</a:t>
             </a:r>
+            <a:endParaRPr lang="zh-CN" altLang="en-US" dirty="0"/>
           </a:p>
           <a:p>
             <a:pPr lvl="4"/>
@@ -6536,7 +6684,6 @@
           <a:p>
             <a:fld id="{E4551058-E5DB-324A-A8E9-6D3BEF243C3B}" type="datetimeFigureOut">
               <a:rPr kumimoji="1" lang="zh-CN" altLang="en-US" smtClean="0"/>
-              <a:t>2024/4/12</a:t>
             </a:fld>
             <a:endParaRPr kumimoji="1" lang="zh-CN" altLang="en-US"/>
           </a:p>
@@ -6578,7 +6725,6 @@
           <a:p>
             <a:fld id="{977BA8E6-E826-B147-AA17-E3D76A29629C}" type="slidenum">
               <a:rPr kumimoji="1" lang="zh-CN" altLang="en-US" smtClean="0"/>
-              <a:t>‹#›</a:t>
             </a:fld>
             <a:endParaRPr kumimoji="1" lang="zh-CN" altLang="en-US"/>
           </a:p>
@@ -6603,6 +6749,7 @@
               <a:rPr kumimoji="1" lang="zh-CN" altLang="en-US" dirty="0"/>
               <a:t>单击此处编辑母版标题样式</a:t>
             </a:r>
+            <a:endParaRPr kumimoji="1" lang="zh-CN" altLang="en-US" dirty="0"/>
           </a:p>
         </p:txBody>
       </p:sp>
@@ -6699,6 +6846,7 @@
               <a:rPr lang="zh-CN" altLang="en-US" dirty="0"/>
               <a:t>单击此处编辑母版文本样式</a:t>
             </a:r>
+            <a:endParaRPr lang="zh-CN" altLang="en-US" dirty="0"/>
           </a:p>
         </p:txBody>
       </p:sp>
@@ -6729,6 +6877,7 @@
               <a:rPr lang="zh-CN" altLang="en-US" dirty="0"/>
               <a:t>单击此处编辑母版文本样式</a:t>
             </a:r>
+            <a:endParaRPr lang="zh-CN" altLang="en-US" dirty="0"/>
           </a:p>
           <a:p>
             <a:pPr lvl="1"/>
@@ -6736,6 +6885,7 @@
               <a:rPr lang="zh-CN" altLang="en-US" dirty="0"/>
               <a:t>二级</a:t>
             </a:r>
+            <a:endParaRPr lang="zh-CN" altLang="en-US" dirty="0"/>
           </a:p>
           <a:p>
             <a:pPr lvl="2"/>
@@ -6743,6 +6893,7 @@
               <a:rPr lang="zh-CN" altLang="en-US" dirty="0"/>
               <a:t>三级</a:t>
             </a:r>
+            <a:endParaRPr lang="zh-CN" altLang="en-US" dirty="0"/>
           </a:p>
           <a:p>
             <a:pPr lvl="3"/>
@@ -6750,6 +6901,7 @@
               <a:rPr lang="zh-CN" altLang="en-US" dirty="0"/>
               <a:t>四级</a:t>
             </a:r>
+            <a:endParaRPr lang="zh-CN" altLang="en-US" dirty="0"/>
           </a:p>
           <a:p>
             <a:pPr lvl="4"/>
@@ -6829,6 +6981,7 @@
               <a:rPr lang="zh-CN" altLang="en-US" dirty="0"/>
               <a:t>单击此处编辑母版文本样式</a:t>
             </a:r>
+            <a:endParaRPr lang="zh-CN" altLang="en-US" dirty="0"/>
           </a:p>
         </p:txBody>
       </p:sp>
@@ -6859,6 +7012,7 @@
               <a:rPr lang="zh-CN" altLang="en-US" dirty="0"/>
               <a:t>单击此处编辑母版文本样式</a:t>
             </a:r>
+            <a:endParaRPr lang="zh-CN" altLang="en-US" dirty="0"/>
           </a:p>
           <a:p>
             <a:pPr lvl="1"/>
@@ -6866,6 +7020,7 @@
               <a:rPr lang="zh-CN" altLang="en-US" dirty="0"/>
               <a:t>二级</a:t>
             </a:r>
+            <a:endParaRPr lang="zh-CN" altLang="en-US" dirty="0"/>
           </a:p>
           <a:p>
             <a:pPr lvl="2"/>
@@ -6873,6 +7028,7 @@
               <a:rPr lang="zh-CN" altLang="en-US" dirty="0"/>
               <a:t>三级</a:t>
             </a:r>
+            <a:endParaRPr lang="zh-CN" altLang="en-US" dirty="0"/>
           </a:p>
           <a:p>
             <a:pPr lvl="3"/>
@@ -6880,6 +7036,7 @@
               <a:rPr lang="zh-CN" altLang="en-US" dirty="0"/>
               <a:t>四级</a:t>
             </a:r>
+            <a:endParaRPr lang="zh-CN" altLang="en-US" dirty="0"/>
           </a:p>
           <a:p>
             <a:pPr lvl="4"/>
@@ -6908,7 +7065,6 @@
           <a:p>
             <a:fld id="{E4551058-E5DB-324A-A8E9-6D3BEF243C3B}" type="datetimeFigureOut">
               <a:rPr kumimoji="1" lang="zh-CN" altLang="en-US" smtClean="0"/>
-              <a:t>2024/4/12</a:t>
             </a:fld>
             <a:endParaRPr kumimoji="1" lang="zh-CN" altLang="en-US"/>
           </a:p>
@@ -6950,7 +7106,6 @@
           <a:p>
             <a:fld id="{977BA8E6-E826-B147-AA17-E3D76A29629C}" type="slidenum">
               <a:rPr kumimoji="1" lang="zh-CN" altLang="en-US" smtClean="0"/>
-              <a:t>‹#›</a:t>
             </a:fld>
             <a:endParaRPr kumimoji="1" lang="zh-CN" altLang="en-US"/>
           </a:p>
@@ -6975,6 +7130,7 @@
               <a:rPr kumimoji="1" lang="zh-CN" altLang="en-US" dirty="0"/>
               <a:t>单击此处编辑母版标题样式</a:t>
             </a:r>
+            <a:endParaRPr kumimoji="1" lang="zh-CN" altLang="en-US" dirty="0"/>
           </a:p>
         </p:txBody>
       </p:sp>
@@ -7020,7 +7176,6 @@
           <a:p>
             <a:fld id="{E4551058-E5DB-324A-A8E9-6D3BEF243C3B}" type="datetimeFigureOut">
               <a:rPr kumimoji="1" lang="zh-CN" altLang="en-US" smtClean="0"/>
-              <a:t>2024/4/12</a:t>
             </a:fld>
             <a:endParaRPr kumimoji="1" lang="zh-CN" altLang="en-US"/>
           </a:p>
@@ -7062,7 +7217,6 @@
           <a:p>
             <a:fld id="{977BA8E6-E826-B147-AA17-E3D76A29629C}" type="slidenum">
               <a:rPr kumimoji="1" lang="zh-CN" altLang="en-US" smtClean="0"/>
-              <a:t>‹#›</a:t>
             </a:fld>
             <a:endParaRPr kumimoji="1" lang="zh-CN" altLang="en-US"/>
           </a:p>
@@ -7087,6 +7241,7 @@
               <a:rPr kumimoji="1" lang="zh-CN" altLang="en-US" dirty="0"/>
               <a:t>单击此处编辑母版标题样式</a:t>
             </a:r>
+            <a:endParaRPr kumimoji="1" lang="zh-CN" altLang="en-US" dirty="0"/>
           </a:p>
         </p:txBody>
       </p:sp>
@@ -7099,7 +7254,7 @@
 </file>
 
 <file path=ppt/slideLayouts/slideLayout8.xml><?xml version="1.0" encoding="utf-8"?>
-<p:sldLayout xmlns:a="http://schemas.openxmlformats.org/drawingml/2006/main" xmlns:r="http://schemas.openxmlformats.org/officeDocument/2006/relationships" xmlns:p="http://schemas.openxmlformats.org/presentationml/2006/main" showMasterSp="0" type="blank" preserve="1">
+<p:sldLayout xmlns:a="http://schemas.openxmlformats.org/drawingml/2006/main" xmlns:r="http://schemas.openxmlformats.org/officeDocument/2006/relationships" xmlns:p="http://schemas.openxmlformats.org/presentationml/2006/main" type="blank" preserve="1" showMasterSp="0">
   <p:cSld name="空白">
     <p:spTree>
       <p:nvGrpSpPr>
@@ -7132,7 +7287,6 @@
           <a:p>
             <a:fld id="{E4551058-E5DB-324A-A8E9-6D3BEF243C3B}" type="datetimeFigureOut">
               <a:rPr kumimoji="1" lang="zh-CN" altLang="en-US" smtClean="0"/>
-              <a:t>2024/4/12</a:t>
             </a:fld>
             <a:endParaRPr kumimoji="1" lang="zh-CN" altLang="en-US"/>
           </a:p>
@@ -7174,7 +7328,6 @@
           <a:p>
             <a:fld id="{977BA8E6-E826-B147-AA17-E3D76A29629C}" type="slidenum">
               <a:rPr kumimoji="1" lang="zh-CN" altLang="en-US" smtClean="0"/>
-              <a:t>‹#›</a:t>
             </a:fld>
             <a:endParaRPr kumimoji="1" lang="zh-CN" altLang="en-US"/>
           </a:p>
@@ -7189,7 +7342,7 @@
 </file>
 
 <file path=ppt/slideLayouts/slideLayout9.xml><?xml version="1.0" encoding="utf-8"?>
-<p:sldLayout xmlns:a="http://schemas.openxmlformats.org/drawingml/2006/main" xmlns:r="http://schemas.openxmlformats.org/officeDocument/2006/relationships" xmlns:p="http://schemas.openxmlformats.org/presentationml/2006/main" showMasterSp="0" type="objTx" preserve="1">
+<p:sldLayout xmlns:a="http://schemas.openxmlformats.org/drawingml/2006/main" xmlns:r="http://schemas.openxmlformats.org/officeDocument/2006/relationships" xmlns:p="http://schemas.openxmlformats.org/presentationml/2006/main" type="objTx" preserve="1" showMasterSp="0">
   <p:cSld name="内容与标题">
     <p:spTree>
       <p:nvGrpSpPr>
@@ -7376,6 +7529,7 @@
               <a:rPr lang="zh-CN" altLang="en-US" dirty="0"/>
               <a:t>单击此处编辑母版文本样式</a:t>
             </a:r>
+            <a:endParaRPr lang="zh-CN" altLang="en-US" dirty="0"/>
           </a:p>
           <a:p>
             <a:pPr lvl="1"/>
@@ -7383,6 +7537,7 @@
               <a:rPr lang="zh-CN" altLang="en-US" dirty="0"/>
               <a:t>二级</a:t>
             </a:r>
+            <a:endParaRPr lang="zh-CN" altLang="en-US" dirty="0"/>
           </a:p>
           <a:p>
             <a:pPr lvl="2"/>
@@ -7390,6 +7545,7 @@
               <a:rPr lang="zh-CN" altLang="en-US" dirty="0"/>
               <a:t>三级</a:t>
             </a:r>
+            <a:endParaRPr lang="zh-CN" altLang="en-US" dirty="0"/>
           </a:p>
           <a:p>
             <a:pPr lvl="3"/>
@@ -7397,6 +7553,7 @@
               <a:rPr lang="zh-CN" altLang="en-US" dirty="0"/>
               <a:t>四级</a:t>
             </a:r>
+            <a:endParaRPr lang="zh-CN" altLang="en-US" dirty="0"/>
           </a:p>
           <a:p>
             <a:pPr lvl="4"/>
@@ -7476,6 +7633,7 @@
               <a:rPr lang="zh-CN" altLang="en-US" dirty="0"/>
               <a:t>单击此处编辑母版文本样式</a:t>
             </a:r>
+            <a:endParaRPr lang="zh-CN" altLang="en-US" dirty="0"/>
           </a:p>
         </p:txBody>
       </p:sp>
@@ -7501,7 +7659,6 @@
           <a:p>
             <a:fld id="{E4551058-E5DB-324A-A8E9-6D3BEF243C3B}" type="datetimeFigureOut">
               <a:rPr kumimoji="1" lang="zh-CN" altLang="en-US" smtClean="0"/>
-              <a:t>2024/4/12</a:t>
             </a:fld>
             <a:endParaRPr kumimoji="1" lang="zh-CN" altLang="en-US"/>
           </a:p>
@@ -7553,7 +7710,6 @@
           <a:p>
             <a:fld id="{977BA8E6-E826-B147-AA17-E3D76A29629C}" type="slidenum">
               <a:rPr kumimoji="1" lang="zh-CN" altLang="en-US" smtClean="0"/>
-              <a:t>‹#›</a:t>
             </a:fld>
             <a:endParaRPr kumimoji="1" lang="zh-CN" altLang="en-US"/>
           </a:p>
@@ -7665,6 +7821,7 @@
               <a:rPr kumimoji="1" lang="zh-CN" altLang="en-US" dirty="0"/>
               <a:t>单击此处编辑母版标题样式</a:t>
             </a:r>
+            <a:endParaRPr kumimoji="1" lang="zh-CN" altLang="en-US" dirty="0"/>
           </a:p>
         </p:txBody>
       </p:sp>
@@ -7698,6 +7855,7 @@
               <a:rPr lang="zh-CN" altLang="en-US" dirty="0"/>
               <a:t>单击此处编辑母版文本样式</a:t>
             </a:r>
+            <a:endParaRPr lang="zh-CN" altLang="en-US" dirty="0"/>
           </a:p>
           <a:p>
             <a:pPr lvl="1"/>
@@ -7705,6 +7863,7 @@
               <a:rPr lang="zh-CN" altLang="en-US" dirty="0"/>
               <a:t>二级</a:t>
             </a:r>
+            <a:endParaRPr lang="zh-CN" altLang="en-US" dirty="0"/>
           </a:p>
           <a:p>
             <a:pPr lvl="2"/>
@@ -7712,6 +7871,7 @@
               <a:rPr lang="zh-CN" altLang="en-US" dirty="0"/>
               <a:t>三级</a:t>
             </a:r>
+            <a:endParaRPr lang="zh-CN" altLang="en-US" dirty="0"/>
           </a:p>
           <a:p>
             <a:pPr lvl="3"/>
@@ -7719,6 +7879,7 @@
               <a:rPr lang="zh-CN" altLang="en-US" dirty="0"/>
               <a:t>四级</a:t>
             </a:r>
+            <a:endParaRPr lang="zh-CN" altLang="en-US" dirty="0"/>
           </a:p>
           <a:p>
             <a:pPr lvl="4"/>
@@ -7766,7 +7927,6 @@
           <a:p>
             <a:fld id="{E4551058-E5DB-324A-A8E9-6D3BEF243C3B}" type="datetimeFigureOut">
               <a:rPr kumimoji="1" lang="zh-CN" altLang="en-US" smtClean="0"/>
-              <a:t>2024/4/12</a:t>
             </a:fld>
             <a:endParaRPr kumimoji="1" lang="zh-CN" altLang="en-US"/>
           </a:p>
@@ -7846,7 +8006,6 @@
           <a:p>
             <a:fld id="{977BA8E6-E826-B147-AA17-E3D76A29629C}" type="slidenum">
               <a:rPr kumimoji="1" lang="zh-CN" altLang="en-US" smtClean="0"/>
-              <a:t>‹#›</a:t>
             </a:fld>
             <a:endParaRPr kumimoji="1" lang="zh-CN" altLang="en-US"/>
           </a:p>
@@ -8281,8 +8440,8 @@
           <a:lstStyle/>
           <a:p>
             <a:r>
-              <a:rPr lang="zh-CN" altLang="en-US" dirty="0"/>
-              <a:t>潘徐成、杜港枫、黄捷</a:t>
+              <a:rPr lang="en-US" altLang="zh-CN" dirty="0"/>
+              <a:t>IRTA</a:t>
             </a:r>
             <a:endParaRPr lang="en-US" altLang="zh-CN" dirty="0"/>
           </a:p>
@@ -8311,6 +8470,7 @@
               <a:rPr lang="zh-CN" altLang="en-US" dirty="0"/>
               <a:t>日</a:t>
             </a:r>
+            <a:endParaRPr lang="zh-CN" altLang="en-US" dirty="0"/>
           </a:p>
         </p:txBody>
       </p:sp>
@@ -8346,6 +8506,7 @@
               <a:rPr lang="en-US" dirty="0"/>
               <a:t>EESaga</a:t>
             </a:r>
+            <a:endParaRPr lang="en-US" dirty="0"/>
           </a:p>
         </p:txBody>
       </p:sp>
@@ -8506,6 +8667,7 @@
               <a:rPr sz="2400" dirty="0"/>
               <a:t>《螺母战记》是一款由 @open531 自主研发的箱庭世界策略卡牌战棋游戏。游戏发生在一个被称作「螺母楼」的幻想世界，在这里，被十门核心课选中的人将被授予「万花尺」，导引卡牌之力。你将扮演一位名为「大学生」的神秘角色，在螺母楼的攀登中邂逅性格各异、能力独特的同伴们，和他们一起击败强敌，找回失散的绩点——同时，逐步发掘「鱼骨图」的真相。</a:t>
             </a:r>
+            <a:endParaRPr sz="2400" dirty="0"/>
           </a:p>
           <a:p>
             <a:endParaRPr sz="2400" dirty="0"/>
@@ -8515,6 +8677,7 @@
               <a:rPr sz="2400" dirty="0"/>
               <a:t>本软件灵感源自于《杀戮尖塔》、《火焰之纹章》系列、《女神异闻录》系列等游戏。本作品结合了卡牌游戏、战棋游戏、回合制游戏等元素，玩家可以在游戏中体验到不同与其他游戏的战斗策略。</a:t>
             </a:r>
+            <a:endParaRPr sz="2400" dirty="0"/>
           </a:p>
         </p:txBody>
       </p:sp>
@@ -8542,6 +8705,7 @@
               <a:rPr lang="zh-CN" altLang="en-US" dirty="0"/>
               <a:t>内容简介</a:t>
             </a:r>
+            <a:endParaRPr lang="zh-CN" altLang="en-US" dirty="0"/>
           </a:p>
         </p:txBody>
       </p:sp>
@@ -8578,11 +8742,6 @@
           </p:cNvGraphicFramePr>
           <p:nvPr>
             <p:ph idx="1"/>
-            <p:extLst>
-              <p:ext uri="{D42A27DB-BD31-4B8C-83A1-F6EECF244321}">
-                <p14:modId xmlns:p14="http://schemas.microsoft.com/office/powerpoint/2010/main" val="1555639277"/>
-              </p:ext>
-            </p:extLst>
           </p:nvPr>
         </p:nvGraphicFramePr>
         <p:xfrm>
@@ -8591,7 +8750,7 @@
         </p:xfrm>
         <a:graphic>
           <a:graphicData uri="http://schemas.openxmlformats.org/drawingml/2006/diagram">
-            <dgm:relIds xmlns:dgm="http://schemas.openxmlformats.org/drawingml/2006/diagram" xmlns:r="http://schemas.openxmlformats.org/officeDocument/2006/relationships" r:dm="rId2" r:lo="rId3" r:qs="rId4" r:cs="rId5"/>
+            <dgm:relIds xmlns:dgm="http://schemas.openxmlformats.org/drawingml/2006/diagram" xmlns:r="http://schemas.openxmlformats.org/officeDocument/2006/relationships" r:dm="rId1" r:lo="rId2" r:qs="rId3" r:cs="rId4"/>
           </a:graphicData>
         </a:graphic>
       </p:graphicFrame>
@@ -8619,6 +8778,7 @@
               <a:rPr lang="zh-CN" altLang="en-US" dirty="0"/>
               <a:t>主要功能</a:t>
             </a:r>
+            <a:endParaRPr lang="zh-CN" altLang="en-US" dirty="0"/>
           </a:p>
         </p:txBody>
       </p:sp>
@@ -8703,6 +8863,7 @@
               <a:rPr lang="zh-CN" altLang="en-US" dirty="0"/>
               <a:t>门核心课。每个主题有特色的敌人。</a:t>
             </a:r>
+            <a:endParaRPr lang="zh-CN" altLang="en-US" dirty="0"/>
           </a:p>
           <a:p>
             <a:pPr lvl="1"/>
@@ -8789,15 +8950,11 @@
               <a:rPr lang="zh-CN" altLang="en-US" dirty="0"/>
               <a:t>游戏特色</a:t>
             </a:r>
+            <a:endParaRPr lang="zh-CN" altLang="en-US" dirty="0"/>
           </a:p>
         </p:txBody>
       </p:sp>
     </p:spTree>
-    <p:extLst>
-      <p:ext uri="{BB962C8B-B14F-4D97-AF65-F5344CB8AC3E}">
-        <p14:creationId xmlns:p14="http://schemas.microsoft.com/office/powerpoint/2010/main" val="644275163"/>
-      </p:ext>
-    </p:extLst>
   </p:cSld>
   <p:clrMapOvr>
     <a:masterClrMapping/>
@@ -8868,6 +9025,7 @@
               <a:rPr lang="en-US" altLang="zh-CN" sz="2400" dirty="0"/>
               <a:t>100+ pull requests</a:t>
             </a:r>
+            <a:endParaRPr lang="en-US" altLang="zh-CN" sz="2400" dirty="0"/>
           </a:p>
           <a:p>
             <a:r>
@@ -8951,15 +9109,11 @@
               <a:rPr lang="zh-CN" altLang="en-US" dirty="0"/>
               <a:t>开发过程</a:t>
             </a:r>
+            <a:endParaRPr lang="zh-CN" altLang="en-US" dirty="0"/>
           </a:p>
         </p:txBody>
       </p:sp>
     </p:spTree>
-    <p:extLst>
-      <p:ext uri="{BB962C8B-B14F-4D97-AF65-F5344CB8AC3E}">
-        <p14:creationId xmlns:p14="http://schemas.microsoft.com/office/powerpoint/2010/main" val="1367589977"/>
-      </p:ext>
-    </p:extLst>
   </p:cSld>
   <p:clrMapOvr>
     <a:masterClrMapping/>
@@ -9005,15 +9159,6 @@
           <a:lstStyle/>
           <a:p>
             <a:r>
-              <a:rPr lang="zh-CN" altLang="en-US" dirty="0">
-                <a:sym typeface="+mn-ea"/>
-              </a:rPr>
-              <a:t>潘徐成、杜港枫、黄捷</a:t>
-            </a:r>
-            <a:endParaRPr lang="en-US" altLang="zh-CN" dirty="0"/>
-          </a:p>
-          <a:p>
-            <a:r>
               <a:rPr lang="en-US" altLang="zh-CN" dirty="0">
                 <a:sym typeface="+mn-ea"/>
               </a:rPr>
@@ -9099,7 +9244,7 @@
 </file>
 
 <file path=ppt/tags/tag1.xml><?xml version="1.0" encoding="utf-8"?>
-<p:tagLst xmlns:a="http://schemas.openxmlformats.org/drawingml/2006/main" xmlns:r="http://schemas.openxmlformats.org/officeDocument/2006/relationships" xmlns:p="http://schemas.openxmlformats.org/presentationml/2006/main">
+<p:tagLst xmlns:p="http://schemas.openxmlformats.org/presentationml/2006/main">
   <p:tag name="COMMONDATA" val="eyJoZGlkIjoiMDY2YzQxNjc4ZjI3NzUwMzA3YWVkZTJiZTQ5M2UxM2MifQ=="/>
 </p:tagLst>
 </file>
@@ -9363,8 +9508,6 @@
       </a:bgFillStyleLst>
     </a:fmtScheme>
   </a:themeElements>
-  <a:objectDefaults/>
-  <a:extraClrSchemeLst/>
   <a:extLst>
     <a:ext uri="{05A4C25C-085E-4340-85A3-A5531E510DB2}">
       <thm15:themeFamily xmlns:thm15="http://schemas.microsoft.com/office/thememl/2012/main" name="Office Theme" id="{62F939B6-93AF-4DB8-9C6B-D6C7DFDC589F}" vid="{4A3C46E8-61CC-4603-A589-7422A47A8E4A}"/>
@@ -9624,8 +9767,6 @@
       </a:bgFillStyleLst>
     </a:fmtScheme>
   </a:themeElements>
-  <a:objectDefaults/>
-  <a:extraClrSchemeLst/>
   <a:extLst>
     <a:ext uri="{05A4C25C-085E-4340-85A3-A5531E510DB2}">
       <thm15:themeFamily xmlns:thm15="http://schemas.microsoft.com/office/thememl/2012/main" name="Office Theme" id="{62F939B6-93AF-4DB8-9C6B-D6C7DFDC589F}" vid="{4A3C46E8-61CC-4603-A589-7422A47A8E4A}"/>
@@ -9885,8 +10026,6 @@
       </a:bgFillStyleLst>
     </a:fmtScheme>
   </a:themeElements>
-  <a:objectDefaults/>
-  <a:extraClrSchemeLst/>
   <a:extLst>
     <a:ext uri="{05A4C25C-085E-4340-85A3-A5531E510DB2}">
       <thm15:themeFamily xmlns:thm15="http://schemas.microsoft.com/office/thememl/2012/main" name="Office Theme" id="{62F939B6-93AF-4DB8-9C6B-D6C7DFDC589F}" vid="{4A3C46E8-61CC-4603-A589-7422A47A8E4A}"/>

--- a/Docs/EESaga.pptx
+++ b/Docs/EESaga.pptx
@@ -8898,6 +8898,14 @@
               <a:rPr lang="zh-CN" altLang="en-US" dirty="0"/>
               <a:t>层的螺母楼爬塔体验，游戏流程足够长。</a:t>
             </a:r>
+            <a:endParaRPr lang="zh-CN" altLang="en-US" dirty="0"/>
+          </a:p>
+          <a:p>
+            <a:pPr lvl="1"/>
+            <a:r>
+              <a:rPr lang="zh-CN" altLang="en-US" dirty="0"/>
+              <a:t>随着游戏流程进行，不断有新队友加入。</a:t>
+            </a:r>
             <a:endParaRPr lang="en-US" altLang="zh-CN" dirty="0"/>
           </a:p>
           <a:p>
@@ -9075,7 +9083,7 @@
             </a:r>
             <a:r>
               <a:rPr lang="zh-CN" altLang="en-US" sz="2400" dirty="0"/>
-              <a:t>上收获 </a:t>
+              <a:t>上收获了 </a:t>
             </a:r>
             <a:r>
               <a:rPr lang="en-US" altLang="zh-CN" sz="2400" dirty="0"/>

--- a/Docs/EESaga.pptx
+++ b/Docs/EESaga.pptx
@@ -8962,11 +8962,248 @@
           </a:p>
         </p:txBody>
       </p:sp>
+      <p:pic>
+        <p:nvPicPr>
+          <p:cNvPr id="4" name="图片 3"/>
+          <p:cNvPicPr>
+            <a:picLocks noChangeAspect="1"/>
+          </p:cNvPicPr>
+          <p:nvPr/>
+        </p:nvPicPr>
+        <p:blipFill>
+          <a:blip r:embed="rId1"/>
+          <a:stretch>
+            <a:fillRect/>
+          </a:stretch>
+        </p:blipFill>
+        <p:spPr>
+          <a:xfrm>
+            <a:off x="1092835" y="1608455"/>
+            <a:ext cx="7574280" cy="4413885"/>
+          </a:xfrm>
+          <a:prstGeom prst="rect">
+            <a:avLst/>
+          </a:prstGeom>
+        </p:spPr>
+      </p:pic>
+      <p:pic>
+        <p:nvPicPr>
+          <p:cNvPr id="5" name="图片 4"/>
+          <p:cNvPicPr>
+            <a:picLocks noChangeAspect="1"/>
+          </p:cNvPicPr>
+          <p:nvPr/>
+        </p:nvPicPr>
+        <p:blipFill>
+          <a:blip r:embed="rId2"/>
+          <a:stretch>
+            <a:fillRect/>
+          </a:stretch>
+        </p:blipFill>
+        <p:spPr>
+          <a:xfrm>
+            <a:off x="1336040" y="1608455"/>
+            <a:ext cx="7593330" cy="4424680"/>
+          </a:xfrm>
+          <a:prstGeom prst="rect">
+            <a:avLst/>
+          </a:prstGeom>
+        </p:spPr>
+      </p:pic>
+      <p:pic>
+        <p:nvPicPr>
+          <p:cNvPr id="6" name="图片 5"/>
+          <p:cNvPicPr>
+            <a:picLocks noChangeAspect="1"/>
+          </p:cNvPicPr>
+          <p:nvPr/>
+        </p:nvPicPr>
+        <p:blipFill>
+          <a:blip r:embed="rId3"/>
+          <a:stretch>
+            <a:fillRect/>
+          </a:stretch>
+        </p:blipFill>
+        <p:spPr>
+          <a:xfrm>
+            <a:off x="1553845" y="1608455"/>
+            <a:ext cx="7575550" cy="4414520"/>
+          </a:xfrm>
+          <a:prstGeom prst="rect">
+            <a:avLst/>
+          </a:prstGeom>
+        </p:spPr>
+      </p:pic>
     </p:spTree>
   </p:cSld>
   <p:clrMapOvr>
     <a:masterClrMapping/>
   </p:clrMapOvr>
+  <p:timing>
+    <p:tnLst>
+      <p:par>
+        <p:cTn id="1" dur="indefinite" restart="never" nodeType="tmRoot">
+          <p:childTnLst>
+            <p:seq concurrent="1" nextAc="seek">
+              <p:cTn id="2" dur="indefinite" nodeType="mainSeq">
+                <p:childTnLst>
+                  <p:par>
+                    <p:cTn id="3" fill="hold">
+                      <p:stCondLst>
+                        <p:cond delay="indefinite"/>
+                      </p:stCondLst>
+                      <p:childTnLst>
+                        <p:par>
+                          <p:cTn id="4" fill="hold">
+                            <p:stCondLst>
+                              <p:cond delay="0"/>
+                            </p:stCondLst>
+                            <p:childTnLst>
+                              <p:par>
+                                <p:cTn id="5" presetID="1" presetClass="entr" presetSubtype="0" fill="hold" nodeType="clickEffect">
+                                  <p:stCondLst>
+                                    <p:cond delay="0"/>
+                                  </p:stCondLst>
+                                  <p:childTnLst>
+                                    <p:set>
+                                      <p:cBhvr>
+                                        <p:cTn id="6" dur="1" fill="hold">
+                                          <p:stCondLst>
+                                            <p:cond delay="0"/>
+                                          </p:stCondLst>
+                                        </p:cTn>
+                                        <p:tgtEl>
+                                          <p:spTgt spid="4"/>
+                                        </p:tgtEl>
+                                        <p:attrNameLst>
+                                          <p:attrName>style.visibility</p:attrName>
+                                        </p:attrNameLst>
+                                      </p:cBhvr>
+                                      <p:to>
+                                        <p:strVal val="visible"/>
+                                      </p:to>
+                                    </p:set>
+                                  </p:childTnLst>
+                                </p:cTn>
+                              </p:par>
+                            </p:childTnLst>
+                          </p:cTn>
+                        </p:par>
+                      </p:childTnLst>
+                    </p:cTn>
+                  </p:par>
+                  <p:par>
+                    <p:cTn id="7" fill="hold">
+                      <p:stCondLst>
+                        <p:cond delay="indefinite"/>
+                      </p:stCondLst>
+                      <p:childTnLst>
+                        <p:par>
+                          <p:cTn id="8" fill="hold">
+                            <p:stCondLst>
+                              <p:cond delay="0"/>
+                            </p:stCondLst>
+                            <p:childTnLst>
+                              <p:par>
+                                <p:cTn id="9" presetID="1" presetClass="entr" presetSubtype="0" fill="hold" nodeType="clickEffect">
+                                  <p:stCondLst>
+                                    <p:cond delay="0"/>
+                                  </p:stCondLst>
+                                  <p:childTnLst>
+                                    <p:set>
+                                      <p:cBhvr>
+                                        <p:cTn id="10" dur="1" fill="hold">
+                                          <p:stCondLst>
+                                            <p:cond delay="0"/>
+                                          </p:stCondLst>
+                                        </p:cTn>
+                                        <p:tgtEl>
+                                          <p:spTgt spid="5"/>
+                                        </p:tgtEl>
+                                        <p:attrNameLst>
+                                          <p:attrName>style.visibility</p:attrName>
+                                        </p:attrNameLst>
+                                      </p:cBhvr>
+                                      <p:to>
+                                        <p:strVal val="visible"/>
+                                      </p:to>
+                                    </p:set>
+                                  </p:childTnLst>
+                                </p:cTn>
+                              </p:par>
+                            </p:childTnLst>
+                          </p:cTn>
+                        </p:par>
+                      </p:childTnLst>
+                    </p:cTn>
+                  </p:par>
+                  <p:par>
+                    <p:cTn id="11" fill="hold">
+                      <p:stCondLst>
+                        <p:cond delay="indefinite"/>
+                      </p:stCondLst>
+                      <p:childTnLst>
+                        <p:par>
+                          <p:cTn id="12" fill="hold">
+                            <p:stCondLst>
+                              <p:cond delay="0"/>
+                            </p:stCondLst>
+                            <p:childTnLst>
+                              <p:par>
+                                <p:cTn id="13" presetID="1" presetClass="entr" presetSubtype="0" fill="hold" nodeType="clickEffect">
+                                  <p:stCondLst>
+                                    <p:cond delay="0"/>
+                                  </p:stCondLst>
+                                  <p:childTnLst>
+                                    <p:set>
+                                      <p:cBhvr>
+                                        <p:cTn id="14" dur="1" fill="hold">
+                                          <p:stCondLst>
+                                            <p:cond delay="0"/>
+                                          </p:stCondLst>
+                                        </p:cTn>
+                                        <p:tgtEl>
+                                          <p:spTgt spid="6"/>
+                                        </p:tgtEl>
+                                        <p:attrNameLst>
+                                          <p:attrName>style.visibility</p:attrName>
+                                        </p:attrNameLst>
+                                      </p:cBhvr>
+                                      <p:to>
+                                        <p:strVal val="visible"/>
+                                      </p:to>
+                                    </p:set>
+                                  </p:childTnLst>
+                                </p:cTn>
+                              </p:par>
+                            </p:childTnLst>
+                          </p:cTn>
+                        </p:par>
+                      </p:childTnLst>
+                    </p:cTn>
+                  </p:par>
+                </p:childTnLst>
+              </p:cTn>
+              <p:prevCondLst>
+                <p:cond evt="onPrev" delay="0">
+                  <p:tgtEl>
+                    <p:sldTgt/>
+                  </p:tgtEl>
+                </p:cond>
+              </p:prevCondLst>
+              <p:nextCondLst>
+                <p:cond evt="onNext" delay="0">
+                  <p:tgtEl>
+                    <p:sldTgt/>
+                  </p:tgtEl>
+                </p:cond>
+              </p:nextCondLst>
+            </p:seq>
+          </p:childTnLst>
+        </p:cTn>
+      </p:par>
+    </p:tnLst>
+  </p:timing>
 </p:sld>
 </file>
 

--- a/Docs/EESaga.pptx
+++ b/Docs/EESaga.pptx
@@ -9034,6 +9034,102 @@
           </a:prstGeom>
         </p:spPr>
       </p:pic>
+      <p:pic>
+        <p:nvPicPr>
+          <p:cNvPr id="7" name="图片 6"/>
+          <p:cNvPicPr>
+            <a:picLocks noChangeAspect="1"/>
+          </p:cNvPicPr>
+          <p:nvPr/>
+        </p:nvPicPr>
+        <p:blipFill>
+          <a:blip r:embed="rId4"/>
+          <a:stretch>
+            <a:fillRect/>
+          </a:stretch>
+        </p:blipFill>
+        <p:spPr>
+          <a:xfrm>
+            <a:off x="1790065" y="1608455"/>
+            <a:ext cx="7846695" cy="4414520"/>
+          </a:xfrm>
+          <a:prstGeom prst="rect">
+            <a:avLst/>
+          </a:prstGeom>
+        </p:spPr>
+      </p:pic>
+      <p:pic>
+        <p:nvPicPr>
+          <p:cNvPr id="8" name="图片 7"/>
+          <p:cNvPicPr>
+            <a:picLocks noChangeAspect="1"/>
+          </p:cNvPicPr>
+          <p:nvPr/>
+        </p:nvPicPr>
+        <p:blipFill>
+          <a:blip r:embed="rId5"/>
+          <a:stretch>
+            <a:fillRect/>
+          </a:stretch>
+        </p:blipFill>
+        <p:spPr>
+          <a:xfrm>
+            <a:off x="2101850" y="1608455"/>
+            <a:ext cx="7886700" cy="4436110"/>
+          </a:xfrm>
+          <a:prstGeom prst="rect">
+            <a:avLst/>
+          </a:prstGeom>
+        </p:spPr>
+      </p:pic>
+      <p:pic>
+        <p:nvPicPr>
+          <p:cNvPr id="9" name="图片 8"/>
+          <p:cNvPicPr>
+            <a:picLocks noChangeAspect="1"/>
+          </p:cNvPicPr>
+          <p:nvPr/>
+        </p:nvPicPr>
+        <p:blipFill>
+          <a:blip r:embed="rId6"/>
+          <a:stretch>
+            <a:fillRect/>
+          </a:stretch>
+        </p:blipFill>
+        <p:spPr>
+          <a:xfrm>
+            <a:off x="2482850" y="1619250"/>
+            <a:ext cx="7841615" cy="4410710"/>
+          </a:xfrm>
+          <a:prstGeom prst="rect">
+            <a:avLst/>
+          </a:prstGeom>
+        </p:spPr>
+      </p:pic>
+      <p:pic>
+        <p:nvPicPr>
+          <p:cNvPr id="10" name="图片 9"/>
+          <p:cNvPicPr>
+            <a:picLocks noChangeAspect="1"/>
+          </p:cNvPicPr>
+          <p:nvPr/>
+        </p:nvPicPr>
+        <p:blipFill>
+          <a:blip r:embed="rId7"/>
+          <a:stretch>
+            <a:fillRect/>
+          </a:stretch>
+        </p:blipFill>
+        <p:spPr>
+          <a:xfrm>
+            <a:off x="2820670" y="1608455"/>
+            <a:ext cx="7837170" cy="4408805"/>
+          </a:xfrm>
+          <a:prstGeom prst="rect">
+            <a:avLst/>
+          </a:prstGeom>
+        </p:spPr>
+      </p:pic>
     </p:spTree>
   </p:cSld>
   <p:clrMapOvr>
@@ -9164,6 +9260,186 @@
                                         </p:cTn>
                                         <p:tgtEl>
                                           <p:spTgt spid="6"/>
+                                        </p:tgtEl>
+                                        <p:attrNameLst>
+                                          <p:attrName>style.visibility</p:attrName>
+                                        </p:attrNameLst>
+                                      </p:cBhvr>
+                                      <p:to>
+                                        <p:strVal val="visible"/>
+                                      </p:to>
+                                    </p:set>
+                                  </p:childTnLst>
+                                </p:cTn>
+                              </p:par>
+                            </p:childTnLst>
+                          </p:cTn>
+                        </p:par>
+                      </p:childTnLst>
+                    </p:cTn>
+                  </p:par>
+                  <p:par>
+                    <p:cTn id="15" fill="hold">
+                      <p:stCondLst>
+                        <p:cond delay="indefinite"/>
+                      </p:stCondLst>
+                      <p:childTnLst>
+                        <p:par>
+                          <p:cTn id="16" fill="hold">
+                            <p:stCondLst>
+                              <p:cond delay="0"/>
+                            </p:stCondLst>
+                            <p:childTnLst>
+                              <p:par>
+                                <p:cTn id="17" presetID="1" presetClass="entr" presetSubtype="0" fill="hold" nodeType="clickEffect">
+                                  <p:stCondLst>
+                                    <p:cond delay="0"/>
+                                  </p:stCondLst>
+                                  <p:childTnLst>
+                                    <p:set>
+                                      <p:cBhvr>
+                                        <p:cTn id="18" dur="1" fill="hold">
+                                          <p:stCondLst>
+                                            <p:cond delay="0"/>
+                                          </p:stCondLst>
+                                        </p:cTn>
+                                        <p:tgtEl>
+                                          <p:spTgt spid="7"/>
+                                        </p:tgtEl>
+                                        <p:attrNameLst>
+                                          <p:attrName>style.visibility</p:attrName>
+                                        </p:attrNameLst>
+                                      </p:cBhvr>
+                                      <p:to>
+                                        <p:strVal val="visible"/>
+                                      </p:to>
+                                    </p:set>
+                                  </p:childTnLst>
+                                </p:cTn>
+                              </p:par>
+                            </p:childTnLst>
+                          </p:cTn>
+                        </p:par>
+                      </p:childTnLst>
+                    </p:cTn>
+                  </p:par>
+                  <p:par>
+                    <p:cTn id="19" fill="hold">
+                      <p:stCondLst>
+                        <p:cond delay="indefinite"/>
+                      </p:stCondLst>
+                      <p:childTnLst>
+                        <p:par>
+                          <p:cTn id="20" fill="hold">
+                            <p:stCondLst>
+                              <p:cond delay="0"/>
+                            </p:stCondLst>
+                            <p:childTnLst>
+                              <p:par>
+                                <p:cTn id="21" presetID="1" presetClass="entr" presetSubtype="0" fill="hold" nodeType="clickEffect">
+                                  <p:stCondLst>
+                                    <p:cond delay="0"/>
+                                  </p:stCondLst>
+                                  <p:childTnLst>
+                                    <p:set>
+                                      <p:cBhvr>
+                                        <p:cTn id="22" dur="1" fill="hold">
+                                          <p:stCondLst>
+                                            <p:cond delay="0"/>
+                                          </p:stCondLst>
+                                        </p:cTn>
+                                        <p:tgtEl>
+                                          <p:spTgt spid="8"/>
+                                        </p:tgtEl>
+                                        <p:attrNameLst>
+                                          <p:attrName>style.visibility</p:attrName>
+                                        </p:attrNameLst>
+                                      </p:cBhvr>
+                                      <p:to>
+                                        <p:strVal val="visible"/>
+                                      </p:to>
+                                    </p:set>
+                                  </p:childTnLst>
+                                </p:cTn>
+                              </p:par>
+                            </p:childTnLst>
+                          </p:cTn>
+                        </p:par>
+                      </p:childTnLst>
+                    </p:cTn>
+                  </p:par>
+                  <p:par>
+                    <p:cTn id="23" fill="hold">
+                      <p:stCondLst>
+                        <p:cond delay="indefinite"/>
+                      </p:stCondLst>
+                      <p:childTnLst>
+                        <p:par>
+                          <p:cTn id="24" fill="hold">
+                            <p:stCondLst>
+                              <p:cond delay="0"/>
+                            </p:stCondLst>
+                            <p:childTnLst>
+                              <p:par>
+                                <p:cTn id="25" presetID="1" presetClass="entr" presetSubtype="0" fill="hold" nodeType="clickEffect">
+                                  <p:stCondLst>
+                                    <p:cond delay="0"/>
+                                  </p:stCondLst>
+                                  <p:childTnLst>
+                                    <p:set>
+                                      <p:cBhvr>
+                                        <p:cTn id="26" dur="1" fill="hold">
+                                          <p:stCondLst>
+                                            <p:cond delay="0"/>
+                                          </p:stCondLst>
+                                        </p:cTn>
+                                        <p:tgtEl>
+                                          <p:spTgt spid="9"/>
+                                        </p:tgtEl>
+                                        <p:attrNameLst>
+                                          <p:attrName>style.visibility</p:attrName>
+                                        </p:attrNameLst>
+                                      </p:cBhvr>
+                                      <p:to>
+                                        <p:strVal val="visible"/>
+                                      </p:to>
+                                    </p:set>
+                                  </p:childTnLst>
+                                </p:cTn>
+                              </p:par>
+                            </p:childTnLst>
+                          </p:cTn>
+                        </p:par>
+                      </p:childTnLst>
+                    </p:cTn>
+                  </p:par>
+                  <p:par>
+                    <p:cTn id="27" fill="hold">
+                      <p:stCondLst>
+                        <p:cond delay="indefinite"/>
+                      </p:stCondLst>
+                      <p:childTnLst>
+                        <p:par>
+                          <p:cTn id="28" fill="hold">
+                            <p:stCondLst>
+                              <p:cond delay="0"/>
+                            </p:stCondLst>
+                            <p:childTnLst>
+                              <p:par>
+                                <p:cTn id="29" presetID="1" presetClass="entr" presetSubtype="0" fill="hold" nodeType="clickEffect">
+                                  <p:stCondLst>
+                                    <p:cond delay="0"/>
+                                  </p:stCondLst>
+                                  <p:childTnLst>
+                                    <p:set>
+                                      <p:cBhvr>
+                                        <p:cTn id="30" dur="1" fill="hold">
+                                          <p:stCondLst>
+                                            <p:cond delay="0"/>
+                                          </p:stCondLst>
+                                        </p:cTn>
+                                        <p:tgtEl>
+                                          <p:spTgt spid="10"/>
                                         </p:tgtEl>
                                         <p:attrNameLst>
                                           <p:attrName>style.visibility</p:attrName>
